--- a/markdown/tbd/test-markdown/gh-markdown.pptx
+++ b/markdown/tbd/test-markdown/gh-markdown.pptx
@@ -19,6 +19,7 @@
     <p:sldId id="267" r:id="rId13"/>
     <p:sldId id="268" r:id="rId14"/>
     <p:sldId id="269" r:id="rId15"/>
+    <p:sldId id="270" r:id="rId16"/>
   </p:sldIdLst>
   <p:sldSz cx="9144000" cy="6858000" type="screen4x3"/>
   <p:notesSz cx="6858000" cy="9144000"/>
@@ -4451,6 +4452,218 @@
 </p:sld>
 </file>
 
+<file path=ppt/slides/slide15.xml><?xml version="1.0" encoding="utf-8"?>
+<p:sld xmlns:a="http://schemas.openxmlformats.org/drawingml/2006/main" xmlns:r="http://schemas.openxmlformats.org/officeDocument/2006/relationships" xmlns:p="http://schemas.openxmlformats.org/presentationml/2006/main">
+  <p:cSld>
+    <p:spTree>
+      <p:nvGrpSpPr>
+        <p:cNvPr id="1" name=""/>
+        <p:cNvGrpSpPr/>
+        <p:nvPr/>
+      </p:nvGrpSpPr>
+      <p:grpSpPr>
+        <a:xfrm>
+          <a:off x="0" y="0"/>
+          <a:ext cx="0" cy="0"/>
+          <a:chOff x="0" y="0"/>
+          <a:chExt cx="0" cy="0"/>
+        </a:xfrm>
+      </p:grpSpPr>
+      <p:sp>
+        <p:nvSpPr>
+          <p:cNvPr id="2" name="Title 1"/>
+          <p:cNvSpPr>
+            <a:spLocks noGrp="1"/>
+          </p:cNvSpPr>
+          <p:nvPr>
+            <p:ph type="title"/>
+          </p:nvPr>
+        </p:nvSpPr>
+        <p:spPr/>
+        <p:txBody>
+          <a:bodyPr/>
+          <a:lstStyle/>
+          <a:p>
+            <a:pPr lvl="0" indent="0" marL="0">
+              <a:buNone/>
+            </a:pPr>
+            <a:r>
+              <a:rPr/>
+              <a:t>Columns</a:t>
+            </a:r>
+          </a:p>
+        </p:txBody>
+      </p:sp>
+      <mc:AlternateContent xmlns:mc="http://schemas.openxmlformats.org/markup-compatibility/2006">
+        <mc:Choice xmlns:a14="http://schemas.microsoft.com/office/drawing/2010/main" Requires="a14">
+          <p:sp>
+            <p:nvSpPr>
+              <p:cNvPr id="3" name="Content Placeholder 2"/>
+              <p:cNvSpPr>
+                <a:spLocks noGrp="1"/>
+              </p:cNvSpPr>
+              <p:nvPr>
+                <p:ph idx="1" sz="half"/>
+              </p:nvPr>
+            </p:nvSpPr>
+            <p:spPr/>
+            <p:txBody>
+              <a:bodyPr/>
+              <a:lstStyle/>
+              <a:p>
+                <a:pPr lvl="0" indent="0" marL="0">
+                  <a:buNone/>
+                </a:pPr>
+                <a:r>
+                  <a:rPr/>
+                  <a:t>Hinweis: </a:t>
+                </a:r>
+                <a14:m>
+                  <m:oMath xmlns:m="http://schemas.openxmlformats.org/officeDocument/2006/math">
+                    <m:sSub>
+                      <m:e>
+                        <m:r>
+                          <m:rPr>
+                            <m:sty m:val="p"/>
+                          </m:rPr>
+                          <m:t>log</m:t>
+                        </m:r>
+                      </m:e>
+                      <m:sub>
+                        <m:r>
+                          <m:t>2</m:t>
+                        </m:r>
+                      </m:sub>
+                    </m:sSub>
+                    <m:r>
+                      <m:t>x</m:t>
+                    </m:r>
+                    <m:r>
+                      <m:rPr>
+                        <m:sty m:val="p"/>
+                      </m:rPr>
+                      <m:t>=</m:t>
+                    </m:r>
+                    <m:f>
+                      <m:fPr>
+                        <m:type m:val="bar"/>
+                      </m:fPr>
+                      <m:num>
+                        <m:sSub>
+                          <m:e>
+                            <m:r>
+                              <m:rPr>
+                                <m:sty m:val="p"/>
+                              </m:rPr>
+                              <m:t>log</m:t>
+                            </m:r>
+                          </m:e>
+                          <m:sub>
+                            <m:r>
+                              <m:t>10</m:t>
+                            </m:r>
+                          </m:sub>
+                        </m:sSub>
+                        <m:r>
+                          <m:t>x</m:t>
+                        </m:r>
+                      </m:num>
+                      <m:den>
+                        <m:sSub>
+                          <m:e>
+                            <m:r>
+                              <m:rPr>
+                                <m:sty m:val="p"/>
+                              </m:rPr>
+                              <m:t>log</m:t>
+                            </m:r>
+                          </m:e>
+                          <m:sub>
+                            <m:r>
+                              <m:t>10</m:t>
+                            </m:r>
+                          </m:sub>
+                        </m:sSub>
+                        <m:r>
+                          <m:t>2</m:t>
+                        </m:r>
+                      </m:den>
+                    </m:f>
+                    <m:r>
+                      <m:rPr>
+                        <m:sty m:val="p"/>
+                      </m:rPr>
+                      <m:t>=</m:t>
+                    </m:r>
+                    <m:f>
+                      <m:fPr>
+                        <m:type m:val="bar"/>
+                      </m:fPr>
+                      <m:num>
+                        <m:r>
+                          <m:rPr>
+                            <m:sty m:val="p"/>
+                          </m:rPr>
+                          <m:t>log</m:t>
+                        </m:r>
+                        <m:r>
+                          <m:t>x</m:t>
+                        </m:r>
+                      </m:num>
+                      <m:den>
+                        <m:r>
+                          <m:rPr>
+                            <m:sty m:val="p"/>
+                          </m:rPr>
+                          <m:t>log</m:t>
+                        </m:r>
+                        <m:r>
+                          <m:t>2</m:t>
+                        </m:r>
+                      </m:den>
+                    </m:f>
+                  </m:oMath>
+                </a14:m>
+              </a:p>
+            </p:txBody>
+          </p:sp>
+        </mc:Choice>
+      </mc:AlternateContent>
+      <p:pic>
+        <p:nvPicPr>
+          <p:cNvPr descr="images/somefig.png" id="0" name="Picture 1"/>
+          <p:cNvPicPr>
+            <a:picLocks noGrp="1" noChangeAspect="1"/>
+          </p:cNvPicPr>
+          <p:nvPr/>
+        </p:nvPicPr>
+        <p:blipFill>
+          <a:blip r:embed="rId2"/>
+          <a:stretch>
+            <a:fillRect/>
+          </a:stretch>
+        </p:blipFill>
+        <p:spPr bwMode="auto">
+          <a:xfrm>
+            <a:off x="4648200" y="2413000"/>
+            <a:ext cx="4038600" cy="2895600"/>
+          </a:xfrm>
+          <a:prstGeom prst="rect">
+            <a:avLst/>
+          </a:prstGeom>
+          <a:noFill/>
+          <a:ln w="9525">
+            <a:noFill/>
+            <a:headEnd/>
+            <a:tailEnd/>
+          </a:ln>
+        </p:spPr>
+      </p:pic>
+    </p:spTree>
+  </p:cSld>
+</p:sld>
+</file>
+
 <file path=ppt/slides/slide2.xml><?xml version="1.0" encoding="utf-8"?>
 <p:sld xmlns:a="http://schemas.openxmlformats.org/drawingml/2006/main" xmlns:r="http://schemas.openxmlformats.org/officeDocument/2006/relationships" xmlns:p="http://schemas.openxmlformats.org/presentationml/2006/main">
   <p:cSld>

--- a/markdown/tbd/test-markdown/gh-markdown.pptx
+++ b/markdown/tbd/test-markdown/gh-markdown.pptx
@@ -5896,6 +5896,267 @@
                 </a14:m>
               </a:p>
               <a:p>
+                <a:pPr lvl="0"/>
+                <a:r>
+                  <a:rPr b="1"/>
+                  <a:t>Entscheidungsbaum</a:t>
+                </a:r>
+                <a:r>
+                  <a:rPr/>
+                  <a:t> </a:t>
+                </a:r>
+                <a14:m>
+                  <m:oMath xmlns:m="http://schemas.openxmlformats.org/officeDocument/2006/math">
+                    <m:r>
+                      <m:t>α</m:t>
+                    </m:r>
+                  </m:oMath>
+                </a14:m>
+                <a:r>
+                  <a:rPr/>
+                  <a:t>: </a:t>
+                </a:r>
+                <a14:m>
+                  <m:oMath xmlns:m="http://schemas.openxmlformats.org/officeDocument/2006/math">
+                    <m:r>
+                      <m:t>α</m:t>
+                    </m:r>
+                    <m:r>
+                      <m:rPr>
+                        <m:sty m:val="p"/>
+                      </m:rPr>
+                      <m:t>=</m:t>
+                    </m:r>
+                    <m:d>
+                      <m:dPr>
+                        <m:begChr m:val="{"/>
+                        <m:endChr m:val=""/>
+                        <m:sepChr m:val=""/>
+                        <m:grow/>
+                      </m:dPr>
+                      <m:e>
+                        <m:m>
+                          <m:mPr>
+                            <m:baseJc m:val="center"/>
+                            <m:plcHide m:val="1"/>
+                            <m:mcs>
+                              <m:mc>
+                                <m:mcPr>
+                                  <m:mcJc m:val="left"/>
+                                  <m:count m:val="1"/>
+                                </m:mcPr>
+                              </m:mc>
+                              <m:mc>
+                                <m:mcPr>
+                                  <m:mcJc m:val="left"/>
+                                  <m:count m:val="1"/>
+                                </m:mcPr>
+                              </m:mc>
+                            </m:mcs>
+                          </m:mPr>
+                          <m:mr>
+                            <m:e>
+                              <m:r>
+                                <m:t>κ</m:t>
+                              </m:r>
+                            </m:e>
+                            <m:e>
+                              <m:r>
+                                <m:rPr>
+                                  <m:nor/>
+                                  <m:sty m:val="p"/>
+                                </m:rPr>
+                                <m:t>Terminalsymbole: </m:t>
+                              </m:r>
+                              <m:r>
+                                <m:t>κ</m:t>
+                              </m:r>
+                              <m:r>
+                                <m:rPr>
+                                  <m:sty m:val="p"/>
+                                </m:rPr>
+                                <m:t>=</m:t>
+                              </m:r>
+                              <m:r>
+                                <m:rPr>
+                                  <m:sty m:val="p"/>
+                                </m:rPr>
+                                <m:t>*</m:t>
+                              </m:r>
+                              <m:r>
+                                <m:rPr>
+                                  <m:sty m:val="p"/>
+                                </m:rPr>
+                                <m:t>,</m:t>
+                              </m:r>
+                              <m:r>
+                                <m:t>A</m:t>
+                              </m:r>
+                              <m:r>
+                                <m:rPr>
+                                  <m:sty m:val="p"/>
+                                </m:rPr>
+                                <m:t>,</m:t>
+                              </m:r>
+                              <m:r>
+                                <m:t>B</m:t>
+                              </m:r>
+                              <m:r>
+                                <m:rPr>
+                                  <m:sty m:val="p"/>
+                                </m:rPr>
+                                <m:t>,</m:t>
+                              </m:r>
+                              <m:r>
+                                <m:rPr>
+                                  <m:sty m:val="p"/>
+                                </m:rPr>
+                                <m:t>…</m:t>
+                              </m:r>
+                            </m:e>
+                          </m:mr>
+                          <m:mr>
+                            <m:e>
+                              <m:sSub>
+                                <m:e>
+                                  <m:r>
+                                    <m:t>x</m:t>
+                                  </m:r>
+                                </m:e>
+                                <m:sub>
+                                  <m:r>
+                                    <m:t>t</m:t>
+                                  </m:r>
+                                </m:sub>
+                              </m:sSub>
+                              <m:d>
+                                <m:dPr>
+                                  <m:begChr m:val="("/>
+                                  <m:endChr m:val=")"/>
+                                  <m:sepChr m:val=""/>
+                                  <m:grow/>
+                                </m:dPr>
+                                <m:e>
+                                  <m:sSub>
+                                    <m:e>
+                                      <m:r>
+                                        <m:t>α</m:t>
+                                      </m:r>
+                                    </m:e>
+                                    <m:sub>
+                                      <m:r>
+                                        <m:t>1</m:t>
+                                      </m:r>
+                                    </m:sub>
+                                  </m:sSub>
+                                  <m:r>
+                                    <m:rPr>
+                                      <m:sty m:val="p"/>
+                                    </m:rPr>
+                                    <m:t>,</m:t>
+                                  </m:r>
+                                  <m:sSub>
+                                    <m:e>
+                                      <m:r>
+                                        <m:t>α</m:t>
+                                      </m:r>
+                                    </m:e>
+                                    <m:sub>
+                                      <m:r>
+                                        <m:t>2</m:t>
+                                      </m:r>
+                                    </m:sub>
+                                  </m:sSub>
+                                  <m:r>
+                                    <m:rPr>
+                                      <m:sty m:val="p"/>
+                                    </m:rPr>
+                                    <m:t>,</m:t>
+                                  </m:r>
+                                  <m:r>
+                                    <m:rPr>
+                                      <m:sty m:val="p"/>
+                                    </m:rPr>
+                                    <m:t>…</m:t>
+                                  </m:r>
+                                  <m:r>
+                                    <m:rPr>
+                                      <m:sty m:val="p"/>
+                                    </m:rPr>
+                                    <m:t>,</m:t>
+                                  </m:r>
+                                  <m:sSub>
+                                    <m:e>
+                                      <m:r>
+                                        <m:t>α</m:t>
+                                      </m:r>
+                                    </m:e>
+                                    <m:sub>
+                                      <m:sSub>
+                                        <m:e>
+                                          <m:r>
+                                            <m:t>m</m:t>
+                                          </m:r>
+                                        </m:e>
+                                        <m:sub>
+                                          <m:r>
+                                            <m:t>t</m:t>
+                                          </m:r>
+                                        </m:sub>
+                                      </m:sSub>
+                                    </m:sub>
+                                  </m:sSub>
+                                </m:e>
+                              </m:d>
+                            </m:e>
+                            <m:e>
+                              <m:sSub>
+                                <m:e>
+                                  <m:r>
+                                    <m:t>x</m:t>
+                                  </m:r>
+                                </m:e>
+                                <m:sub>
+                                  <m:r>
+                                    <m:t>t</m:t>
+                                  </m:r>
+                                </m:sub>
+                              </m:sSub>
+                              <m:r>
+                                <m:rPr>
+                                  <m:nor/>
+                                  <m:sty m:val="p"/>
+                                </m:rPr>
+                                <m:t> Testattribut mit </m:t>
+                              </m:r>
+                              <m:sSub>
+                                <m:e>
+                                  <m:r>
+                                    <m:t>m</m:t>
+                                  </m:r>
+                                </m:e>
+                                <m:sub>
+                                  <m:r>
+                                    <m:t>t</m:t>
+                                  </m:r>
+                                </m:sub>
+                              </m:sSub>
+                              <m:r>
+                                <m:rPr>
+                                  <m:nor/>
+                                  <m:sty m:val="p"/>
+                                </m:rPr>
+                                <m:t> Ausprägungen</m:t>
+                              </m:r>
+                            </m:e>
+                          </m:mr>
+                        </m:m>
+                      </m:e>
+                    </m:d>
+                  </m:oMath>
+                </a14:m>
+              </a:p>
+              <a:p>
                 <a:pPr lvl="0" indent="0" marL="0">
                   <a:spcBef>
                     <a:spcPts val="3000"/>

--- a/markdown/tbd/test-markdown/gh-markdown.pptx
+++ b/markdown/tbd/test-markdown/gh-markdown.pptx
@@ -20,6 +20,7 @@
     <p:sldId id="268" r:id="rId14"/>
     <p:sldId id="269" r:id="rId15"/>
     <p:sldId id="270" r:id="rId16"/>
+    <p:sldId id="271" r:id="rId17"/>
   </p:sldIdLst>
   <p:sldSz cx="9144000" cy="6858000" type="screen4x3"/>
   <p:notesSz cx="6858000" cy="9144000"/>
@@ -3459,12 +3460,6 @@
               <a:buNone/>
             </a:pPr>
             <a:r>
-              <a:rPr>
-                <a:latin typeface="Courier"/>
-              </a:rPr>
-              <a:t>  </a:t>
-            </a:r>
-            <a:r>
               <a:rPr i="1">
                 <a:solidFill>
                   <a:srgbClr val="60A0B0"/>
@@ -3481,7 +3476,7 @@
                 </a:solidFill>
                 <a:latin typeface="Courier"/>
               </a:rPr>
-              <a:t>   * cHelloWorld.c</a:t>
+              <a:t> * cHelloWorld.c</a:t>
             </a:r>
             <a:br/>
             <a:r>
@@ -3491,7 +3486,7 @@
                 </a:solidFill>
                 <a:latin typeface="Courier"/>
               </a:rPr>
-              <a:t>   *</a:t>
+              <a:t> *</a:t>
             </a:r>
             <a:br/>
             <a:r>
@@ -3501,15 +3496,9 @@
                 </a:solidFill>
                 <a:latin typeface="Courier"/>
               </a:rPr>
-              <a:t>   */</a:t>
+              <a:t> */</a:t>
             </a:r>
             <a:br/>
-            <a:r>
-              <a:rPr>
-                <a:latin typeface="Courier"/>
-              </a:rPr>
-              <a:t>  </a:t>
-            </a:r>
             <a:r>
               <a:rPr>
                 <a:solidFill>
@@ -3529,10 +3518,318 @@
             <a:br/>
             <a:r>
               <a:rPr>
+                <a:solidFill>
+                  <a:srgbClr val="902000"/>
+                </a:solidFill>
                 <a:latin typeface="Courier"/>
               </a:rPr>
-              <a:t>  </a:t>
-            </a:r>
+              <a:t>int</a:t>
+            </a:r>
+            <a:r>
+              <a:rPr>
+                <a:latin typeface="Courier"/>
+              </a:rPr>
+              <a:t> main</a:t>
+            </a:r>
+            <a:r>
+              <a:rPr>
+                <a:solidFill>
+                  <a:srgbClr val="666666"/>
+                </a:solidFill>
+                <a:latin typeface="Courier"/>
+              </a:rPr>
+              <a:t>()</a:t>
+            </a:r>
+            <a:r>
+              <a:rPr>
+                <a:latin typeface="Courier"/>
+              </a:rPr>
+              <a:t> </a:t>
+            </a:r>
+            <a:r>
+              <a:rPr>
+                <a:solidFill>
+                  <a:srgbClr val="666666"/>
+                </a:solidFill>
+                <a:latin typeface="Courier"/>
+              </a:rPr>
+              <a:t>{</a:t>
+            </a:r>
+            <a:br/>
+            <a:r>
+              <a:rPr>
+                <a:latin typeface="Courier"/>
+              </a:rPr>
+              <a:t>    printf</a:t>
+            </a:r>
+            <a:r>
+              <a:rPr>
+                <a:solidFill>
+                  <a:srgbClr val="666666"/>
+                </a:solidFill>
+                <a:latin typeface="Courier"/>
+              </a:rPr>
+              <a:t>(</a:t>
+            </a:r>
+            <a:r>
+              <a:rPr>
+                <a:solidFill>
+                  <a:srgbClr val="4070A0"/>
+                </a:solidFill>
+                <a:latin typeface="Courier"/>
+              </a:rPr>
+              <a:t>"Hello World from C  :-)\n"</a:t>
+            </a:r>
+            <a:r>
+              <a:rPr>
+                <a:solidFill>
+                  <a:srgbClr val="666666"/>
+                </a:solidFill>
+                <a:latin typeface="Courier"/>
+              </a:rPr>
+              <a:t>);</a:t>
+            </a:r>
+            <a:br/>
+            <a:r>
+              <a:rPr>
+                <a:latin typeface="Courier"/>
+              </a:rPr>
+              <a:t>    </a:t>
+            </a:r>
+            <a:r>
+              <a:rPr b="1">
+                <a:solidFill>
+                  <a:srgbClr val="007020"/>
+                </a:solidFill>
+                <a:latin typeface="Courier"/>
+              </a:rPr>
+              <a:t>return</a:t>
+            </a:r>
+            <a:r>
+              <a:rPr>
+                <a:latin typeface="Courier"/>
+              </a:rPr>
+              <a:t> </a:t>
+            </a:r>
+            <a:r>
+              <a:rPr>
+                <a:solidFill>
+                  <a:srgbClr val="40A070"/>
+                </a:solidFill>
+                <a:latin typeface="Courier"/>
+              </a:rPr>
+              <a:t>0</a:t>
+            </a:r>
+            <a:r>
+              <a:rPr>
+                <a:solidFill>
+                  <a:srgbClr val="666666"/>
+                </a:solidFill>
+                <a:latin typeface="Courier"/>
+              </a:rPr>
+              <a:t>;</a:t>
+            </a:r>
+            <a:br/>
+            <a:r>
+              <a:rPr>
+                <a:solidFill>
+                  <a:srgbClr val="666666"/>
+                </a:solidFill>
+                <a:latin typeface="Courier"/>
+              </a:rPr>
+              <a:t>}</a:t>
+            </a:r>
+          </a:p>
+          <a:p>
+            <a:pPr lvl="0" indent="0" marL="0">
+              <a:buNone/>
+            </a:pPr>
+            <a:r>
+              <a:rPr/>
+              <a:t>Well, inline code like </a:t>
+            </a:r>
+            <a:r>
+              <a:rPr>
+                <a:latin typeface="Courier"/>
+              </a:rPr>
+              <a:t>int main()</a:t>
+            </a:r>
+            <a:r>
+              <a:rPr/>
+              <a:t> works too :) Also with syntax highlighting like </a:t>
+            </a:r>
+            <a:r>
+              <a:rPr>
+                <a:latin typeface="Courier"/>
+              </a:rPr>
+              <a:t>int main()</a:t>
+            </a:r>
+            <a:r>
+              <a:rPr/>
+              <a:t> …</a:t>
+            </a:r>
+          </a:p>
+        </p:txBody>
+      </p:sp>
+    </p:spTree>
+  </p:cSld>
+</p:sld>
+</file>
+
+<file path=ppt/slides/slide14.xml><?xml version="1.0" encoding="utf-8"?>
+<p:sld xmlns:a="http://schemas.openxmlformats.org/drawingml/2006/main" xmlns:r="http://schemas.openxmlformats.org/officeDocument/2006/relationships" xmlns:p="http://schemas.openxmlformats.org/presentationml/2006/main">
+  <p:cSld>
+    <p:spTree>
+      <p:nvGrpSpPr>
+        <p:cNvPr id="1" name=""/>
+        <p:cNvGrpSpPr/>
+        <p:nvPr/>
+      </p:nvGrpSpPr>
+      <p:grpSpPr>
+        <a:xfrm>
+          <a:off x="0" y="0"/>
+          <a:ext cx="0" cy="0"/>
+          <a:chOff x="0" y="0"/>
+          <a:chExt cx="0" cy="0"/>
+        </a:xfrm>
+      </p:grpSpPr>
+      <p:sp>
+        <p:nvSpPr>
+          <p:cNvPr id="2" name="Title 1"/>
+          <p:cNvSpPr>
+            <a:spLocks noGrp="1"/>
+          </p:cNvSpPr>
+          <p:nvPr>
+            <p:ph type="title"/>
+          </p:nvPr>
+        </p:nvSpPr>
+        <p:spPr/>
+        <p:txBody>
+          <a:bodyPr/>
+          <a:lstStyle/>
+          <a:p>
+            <a:pPr lvl="0" indent="0" marL="0">
+              <a:buNone/>
+            </a:pPr>
+            <a:r>
+              <a:rPr/>
+              <a:t>Code-Block</a:t>
+            </a:r>
+          </a:p>
+        </p:txBody>
+      </p:sp>
+      <p:sp>
+        <p:nvSpPr>
+          <p:cNvPr id="3" name="Content Placeholder 2"/>
+          <p:cNvSpPr>
+            <a:spLocks noGrp="1"/>
+          </p:cNvSpPr>
+          <p:nvPr>
+            <p:ph idx="1"/>
+          </p:nvPr>
+        </p:nvSpPr>
+        <p:spPr/>
+        <p:txBody>
+          <a:bodyPr/>
+          <a:lstStyle/>
+          <a:p>
+            <a:pPr lvl="0" indent="0">
+              <a:buNone/>
+            </a:pPr>
+            <a:r>
+              <a:rPr>
+                <a:latin typeface="Courier"/>
+              </a:rPr>
+              <a:t>print(</a:t>
+            </a:r>
+            <a:r>
+              <a:rPr>
+                <a:solidFill>
+                  <a:srgbClr val="4070A0"/>
+                </a:solidFill>
+                <a:latin typeface="Courier"/>
+              </a:rPr>
+              <a:t>"hello"</a:t>
+            </a:r>
+            <a:r>
+              <a:rPr>
+                <a:latin typeface="Courier"/>
+              </a:rPr>
+              <a:t>)</a:t>
+            </a:r>
+          </a:p>
+          <a:p>
+            <a:pPr lvl="0" indent="0">
+              <a:buNone/>
+            </a:pPr>
+            <a:r>
+              <a:rPr>
+                <a:latin typeface="Courier"/>
+              </a:rPr>
+              <a:t>hello</a:t>
+            </a:r>
+          </a:p>
+          <a:p>
+            <a:pPr lvl="0" indent="0">
+              <a:buNone/>
+            </a:pPr>
+            <a:r>
+              <a:rPr i="1">
+                <a:solidFill>
+                  <a:srgbClr val="60A0B0"/>
+                </a:solidFill>
+                <a:latin typeface="Courier"/>
+              </a:rPr>
+              <a:t>/*</a:t>
+            </a:r>
+            <a:br/>
+            <a:r>
+              <a:rPr i="1">
+                <a:solidFill>
+                  <a:srgbClr val="60A0B0"/>
+                </a:solidFill>
+                <a:latin typeface="Courier"/>
+              </a:rPr>
+              <a:t> * cHelloWorld.c</a:t>
+            </a:r>
+            <a:br/>
+            <a:r>
+              <a:rPr i="1">
+                <a:solidFill>
+                  <a:srgbClr val="60A0B0"/>
+                </a:solidFill>
+                <a:latin typeface="Courier"/>
+              </a:rPr>
+              <a:t> *</a:t>
+            </a:r>
+            <a:br/>
+            <a:r>
+              <a:rPr i="1">
+                <a:solidFill>
+                  <a:srgbClr val="60A0B0"/>
+                </a:solidFill>
+                <a:latin typeface="Courier"/>
+              </a:rPr>
+              <a:t> */</a:t>
+            </a:r>
+            <a:br/>
+            <a:r>
+              <a:rPr>
+                <a:solidFill>
+                  <a:srgbClr val="BC7A00"/>
+                </a:solidFill>
+                <a:latin typeface="Courier"/>
+              </a:rPr>
+              <a:t>#include </a:t>
+            </a:r>
+            <a:r>
+              <a:rPr>
+                <a:latin typeface="Courier"/>
+              </a:rPr>
+              <a:t>&lt;stdio.h&gt;</a:t>
+            </a:r>
+            <a:br/>
+            <a:br/>
             <a:r>
               <a:rPr>
                 <a:solidFill>
@@ -3577,7 +3874,7 @@
               <a:rPr>
                 <a:latin typeface="Courier"/>
               </a:rPr>
-              <a:t>      printf</a:t>
+              <a:t>    printf</a:t>
             </a:r>
             <a:r>
               <a:rPr>
@@ -3611,7 +3908,7 @@
               <a:rPr>
                 <a:latin typeface="Courier"/>
               </a:rPr>
-              <a:t>      </a:t>
+              <a:t>    </a:t>
             </a:r>
             <a:r>
               <a:rPr b="1">
@@ -3649,12 +3946,6 @@
             <a:br/>
             <a:r>
               <a:rPr>
-                <a:latin typeface="Courier"/>
-              </a:rPr>
-              <a:t>  </a:t>
-            </a:r>
-            <a:r>
-              <a:rPr>
                 <a:solidFill>
                   <a:srgbClr val="666666"/>
                 </a:solidFill>
@@ -3663,35 +3954,6 @@
               <a:t>}</a:t>
             </a:r>
           </a:p>
-          <a:p>
-            <a:pPr lvl="0" indent="0" marL="0">
-              <a:buNone/>
-            </a:pPr>
-            <a:r>
-              <a:rPr/>
-              <a:t>Well, inline code like </a:t>
-            </a:r>
-            <a:r>
-              <a:rPr>
-                <a:latin typeface="Courier"/>
-              </a:rPr>
-              <a:t>int main()</a:t>
-            </a:r>
-            <a:r>
-              <a:rPr/>
-              <a:t> works too :) Also with syntax highlighting like </a:t>
-            </a:r>
-            <a:r>
-              <a:rPr>
-                <a:latin typeface="Courier"/>
-              </a:rPr>
-              <a:t>int main()</a:t>
-            </a:r>
-            <a:r>
-              <a:rPr/>
-              <a:t> …</a:t>
-            </a:r>
-          </a:p>
         </p:txBody>
       </p:sp>
     </p:spTree>
@@ -3699,7 +3961,7 @@
 </p:sld>
 </file>
 
-<file path=ppt/slides/slide14.xml><?xml version="1.0" encoding="utf-8"?>
+<file path=ppt/slides/slide15.xml><?xml version="1.0" encoding="utf-8"?>
 <p:sld xmlns:a="http://schemas.openxmlformats.org/drawingml/2006/main" xmlns:r="http://schemas.openxmlformats.org/officeDocument/2006/relationships" xmlns:p="http://schemas.openxmlformats.org/presentationml/2006/main">
   <p:cSld>
     <p:spTree>
@@ -4452,7 +4714,7 @@
 </p:sld>
 </file>
 
-<file path=ppt/slides/slide15.xml><?xml version="1.0" encoding="utf-8"?>
+<file path=ppt/slides/slide16.xml><?xml version="1.0" encoding="utf-8"?>
 <p:sld xmlns:a="http://schemas.openxmlformats.org/drawingml/2006/main" xmlns:r="http://schemas.openxmlformats.org/officeDocument/2006/relationships" xmlns:p="http://schemas.openxmlformats.org/presentationml/2006/main">
   <p:cSld>
     <p:spTree>

--- a/markdown/tbd/test-markdown/gh-markdown.pptx
+++ b/markdown/tbd/test-markdown/gh-markdown.pptx
@@ -21,8 +21,11 @@
     <p:sldId id="269" r:id="rId15"/>
     <p:sldId id="270" r:id="rId16"/>
     <p:sldId id="271" r:id="rId17"/>
+    <p:sldId id="272" r:id="rId18"/>
+    <p:sldId id="273" r:id="rId19"/>
+    <p:sldId id="274" r:id="rId20"/>
   </p:sldIdLst>
-  <p:sldSz cx="9144000" cy="6858000" type="screen4x3"/>
+  <p:sldSz cx="9144000" cy="5143500" type="screen16x9"/>
   <p:notesSz cx="6858000" cy="9144000"/>
   <p:defaultTextStyle>
     <a:defPPr>
@@ -122,12 +125,12 @@
   <p:extLst>
     <p:ext uri="{EFAFB233-063F-42B5-8137-9DF3F51BA10A}">
       <p15:sldGuideLst xmlns:p15="http://schemas.microsoft.com/office/powerpoint/2012/main">
-        <p15:guide id="1" orient="horz" pos="2160">
+        <p15:guide id="1" orient="horz" pos="1620" userDrawn="1">
           <p15:clr>
             <a:srgbClr val="A4A3A4"/>
           </p15:clr>
         </p15:guide>
-        <p15:guide id="2" pos="2880">
+        <p15:guide id="2" pos="2880" userDrawn="1">
           <p15:clr>
             <a:srgbClr val="A4A3A4"/>
           </p15:clr>
@@ -167,8 +170,8 @@
         </p:nvSpPr>
         <p:spPr>
           <a:xfrm>
-            <a:off x="685800" y="2130425"/>
-            <a:ext cx="7772400" cy="1470025"/>
+            <a:off x="685800" y="1597819"/>
+            <a:ext cx="7772400" cy="1102519"/>
           </a:xfrm>
         </p:spPr>
         <p:txBody>
@@ -176,10 +179,9 @@
           <a:lstStyle/>
           <a:p>
             <a:r>
-              <a:rPr lang="en-US" smtClean="0"/>
+              <a:rPr lang="en-US"/>
               <a:t>Click to edit Master title style</a:t>
             </a:r>
-            <a:endParaRPr lang="en-US"/>
           </a:p>
         </p:txBody>
       </p:sp>
@@ -195,8 +197,8 @@
         </p:nvSpPr>
         <p:spPr>
           <a:xfrm>
-            <a:off x="1371600" y="3886200"/>
-            <a:ext cx="6400800" cy="1752600"/>
+            <a:off x="1371600" y="2914650"/>
+            <a:ext cx="6400800" cy="1314450"/>
           </a:xfrm>
         </p:spPr>
         <p:txBody>
@@ -212,7 +214,7 @@
                 </a:solidFill>
               </a:defRPr>
             </a:lvl1pPr>
-            <a:lvl2pPr marL="457200" indent="0" algn="ctr">
+            <a:lvl2pPr marL="342900" indent="0" algn="ctr">
               <a:buNone/>
               <a:defRPr>
                 <a:solidFill>
@@ -222,7 +224,7 @@
                 </a:solidFill>
               </a:defRPr>
             </a:lvl2pPr>
-            <a:lvl3pPr marL="914400" indent="0" algn="ctr">
+            <a:lvl3pPr marL="685800" indent="0" algn="ctr">
               <a:buNone/>
               <a:defRPr>
                 <a:solidFill>
@@ -232,7 +234,7 @@
                 </a:solidFill>
               </a:defRPr>
             </a:lvl3pPr>
-            <a:lvl4pPr marL="1371600" indent="0" algn="ctr">
+            <a:lvl4pPr marL="1028700" indent="0" algn="ctr">
               <a:buNone/>
               <a:defRPr>
                 <a:solidFill>
@@ -242,7 +244,7 @@
                 </a:solidFill>
               </a:defRPr>
             </a:lvl4pPr>
-            <a:lvl5pPr marL="1828800" indent="0" algn="ctr">
+            <a:lvl5pPr marL="1371600" indent="0" algn="ctr">
               <a:buNone/>
               <a:defRPr>
                 <a:solidFill>
@@ -252,7 +254,7 @@
                 </a:solidFill>
               </a:defRPr>
             </a:lvl5pPr>
-            <a:lvl6pPr marL="2286000" indent="0" algn="ctr">
+            <a:lvl6pPr marL="1714500" indent="0" algn="ctr">
               <a:buNone/>
               <a:defRPr>
                 <a:solidFill>
@@ -262,7 +264,7 @@
                 </a:solidFill>
               </a:defRPr>
             </a:lvl6pPr>
-            <a:lvl7pPr marL="2743200" indent="0" algn="ctr">
+            <a:lvl7pPr marL="2057400" indent="0" algn="ctr">
               <a:buNone/>
               <a:defRPr>
                 <a:solidFill>
@@ -272,7 +274,7 @@
                 </a:solidFill>
               </a:defRPr>
             </a:lvl7pPr>
-            <a:lvl8pPr marL="3200400" indent="0" algn="ctr">
+            <a:lvl8pPr marL="2400300" indent="0" algn="ctr">
               <a:buNone/>
               <a:defRPr>
                 <a:solidFill>
@@ -282,7 +284,7 @@
                 </a:solidFill>
               </a:defRPr>
             </a:lvl8pPr>
-            <a:lvl9pPr marL="3657600" indent="0" algn="ctr">
+            <a:lvl9pPr marL="2743200" indent="0" algn="ctr">
               <a:buNone/>
               <a:defRPr>
                 <a:solidFill>
@@ -295,10 +297,9 @@
           </a:lstStyle>
           <a:p>
             <a:r>
-              <a:rPr lang="en-US" smtClean="0"/>
+              <a:rPr lang="en-US"/>
               <a:t>Click to edit Master subtitle style</a:t>
             </a:r>
-            <a:endParaRPr lang="en-US"/>
           </a:p>
         </p:txBody>
       </p:sp>
@@ -319,7 +320,7 @@
           <a:p>
             <a:fld id="{241EB5C9-1307-BA42-ABA2-0BC069CD8E7F}" type="datetimeFigureOut">
               <a:rPr lang="en-US" smtClean="0"/>
-              <a:t>4/5/2019</a:t>
+              <a:t>1/2/22</a:t>
             </a:fld>
             <a:endParaRPr lang="en-US"/>
           </a:p>
@@ -413,10 +414,9 @@
           <a:lstStyle/>
           <a:p>
             <a:r>
-              <a:rPr lang="en-US" smtClean="0"/>
+              <a:rPr lang="en-US"/>
               <a:t>Click to edit Master title style</a:t>
             </a:r>
-            <a:endParaRPr lang="en-US"/>
           </a:p>
         </p:txBody>
       </p:sp>
@@ -437,38 +437,37 @@
           <a:p>
             <a:pPr lvl="0"/>
             <a:r>
-              <a:rPr lang="en-US" smtClean="0"/>
+              <a:rPr lang="en-US"/>
               <a:t>Click to edit Master text styles</a:t>
             </a:r>
           </a:p>
           <a:p>
             <a:pPr lvl="1"/>
             <a:r>
-              <a:rPr lang="en-US" smtClean="0"/>
+              <a:rPr lang="en-US"/>
               <a:t>Second level</a:t>
             </a:r>
           </a:p>
           <a:p>
             <a:pPr lvl="2"/>
             <a:r>
-              <a:rPr lang="en-US" smtClean="0"/>
+              <a:rPr lang="en-US"/>
               <a:t>Third level</a:t>
             </a:r>
           </a:p>
           <a:p>
             <a:pPr lvl="3"/>
             <a:r>
-              <a:rPr lang="en-US" smtClean="0"/>
+              <a:rPr lang="en-US"/>
               <a:t>Fourth level</a:t>
             </a:r>
           </a:p>
           <a:p>
             <a:pPr lvl="4"/>
             <a:r>
-              <a:rPr lang="en-US" smtClean="0"/>
+              <a:rPr lang="en-US"/>
               <a:t>Fifth level</a:t>
             </a:r>
-            <a:endParaRPr lang="en-US"/>
           </a:p>
         </p:txBody>
       </p:sp>
@@ -489,7 +488,7 @@
           <a:p>
             <a:fld id="{241EB5C9-1307-BA42-ABA2-0BC069CD8E7F}" type="datetimeFigureOut">
               <a:rPr lang="en-US" smtClean="0"/>
-              <a:t>4/5/2019</a:t>
+              <a:t>1/2/22</a:t>
             </a:fld>
             <a:endParaRPr lang="en-US"/>
           </a:p>
@@ -579,8 +578,8 @@
         </p:nvSpPr>
         <p:spPr>
           <a:xfrm>
-            <a:off x="6629400" y="274638"/>
-            <a:ext cx="2057400" cy="5851525"/>
+            <a:off x="6629400" y="205979"/>
+            <a:ext cx="2057400" cy="4388644"/>
           </a:xfrm>
         </p:spPr>
         <p:txBody>
@@ -588,10 +587,9 @@
           <a:lstStyle/>
           <a:p>
             <a:r>
-              <a:rPr lang="en-US" smtClean="0"/>
+              <a:rPr lang="en-US"/>
               <a:t>Click to edit Master title style</a:t>
             </a:r>
-            <a:endParaRPr lang="en-US"/>
           </a:p>
         </p:txBody>
       </p:sp>
@@ -607,8 +605,8 @@
         </p:nvSpPr>
         <p:spPr>
           <a:xfrm>
-            <a:off x="457200" y="274638"/>
-            <a:ext cx="6019800" cy="5851525"/>
+            <a:off x="457200" y="205979"/>
+            <a:ext cx="6019800" cy="4388644"/>
           </a:xfrm>
         </p:spPr>
         <p:txBody>
@@ -617,38 +615,37 @@
           <a:p>
             <a:pPr lvl="0"/>
             <a:r>
-              <a:rPr lang="en-US" smtClean="0"/>
+              <a:rPr lang="en-US"/>
               <a:t>Click to edit Master text styles</a:t>
             </a:r>
           </a:p>
           <a:p>
             <a:pPr lvl="1"/>
             <a:r>
-              <a:rPr lang="en-US" smtClean="0"/>
+              <a:rPr lang="en-US"/>
               <a:t>Second level</a:t>
             </a:r>
           </a:p>
           <a:p>
             <a:pPr lvl="2"/>
             <a:r>
-              <a:rPr lang="en-US" smtClean="0"/>
+              <a:rPr lang="en-US"/>
               <a:t>Third level</a:t>
             </a:r>
           </a:p>
           <a:p>
             <a:pPr lvl="3"/>
             <a:r>
-              <a:rPr lang="en-US" smtClean="0"/>
+              <a:rPr lang="en-US"/>
               <a:t>Fourth level</a:t>
             </a:r>
           </a:p>
           <a:p>
             <a:pPr lvl="4"/>
             <a:r>
-              <a:rPr lang="en-US" smtClean="0"/>
+              <a:rPr lang="en-US"/>
               <a:t>Fifth level</a:t>
             </a:r>
-            <a:endParaRPr lang="en-US"/>
           </a:p>
         </p:txBody>
       </p:sp>
@@ -669,7 +666,7 @@
           <a:p>
             <a:fld id="{241EB5C9-1307-BA42-ABA2-0BC069CD8E7F}" type="datetimeFigureOut">
               <a:rPr lang="en-US" smtClean="0"/>
-              <a:t>4/5/2019</a:t>
+              <a:t>1/2/22</a:t>
             </a:fld>
             <a:endParaRPr lang="en-US"/>
           </a:p>
@@ -763,10 +760,9 @@
           <a:lstStyle/>
           <a:p>
             <a:r>
-              <a:rPr lang="en-US" smtClean="0"/>
+              <a:rPr lang="en-US"/>
               <a:t>Click to edit Master title style</a:t>
             </a:r>
-            <a:endParaRPr lang="en-US"/>
           </a:p>
         </p:txBody>
       </p:sp>
@@ -787,38 +783,37 @@
           <a:p>
             <a:pPr lvl="0"/>
             <a:r>
-              <a:rPr lang="en-US" smtClean="0"/>
+              <a:rPr lang="en-US"/>
               <a:t>Click to edit Master text styles</a:t>
             </a:r>
           </a:p>
           <a:p>
             <a:pPr lvl="1"/>
             <a:r>
-              <a:rPr lang="en-US" smtClean="0"/>
+              <a:rPr lang="en-US"/>
               <a:t>Second level</a:t>
             </a:r>
           </a:p>
           <a:p>
             <a:pPr lvl="2"/>
             <a:r>
-              <a:rPr lang="en-US" smtClean="0"/>
+              <a:rPr lang="en-US"/>
               <a:t>Third level</a:t>
             </a:r>
           </a:p>
           <a:p>
             <a:pPr lvl="3"/>
             <a:r>
-              <a:rPr lang="en-US" smtClean="0"/>
+              <a:rPr lang="en-US"/>
               <a:t>Fourth level</a:t>
             </a:r>
           </a:p>
           <a:p>
             <a:pPr lvl="4"/>
             <a:r>
-              <a:rPr lang="en-US" smtClean="0"/>
+              <a:rPr lang="en-US"/>
               <a:t>Fifth level</a:t>
             </a:r>
-            <a:endParaRPr lang="en-US"/>
           </a:p>
         </p:txBody>
       </p:sp>
@@ -839,7 +834,7 @@
           <a:p>
             <a:fld id="{241EB5C9-1307-BA42-ABA2-0BC069CD8E7F}" type="datetimeFigureOut">
               <a:rPr lang="en-US" smtClean="0"/>
-              <a:t>4/5/2019</a:t>
+              <a:t>1/2/22</a:t>
             </a:fld>
             <a:endParaRPr lang="en-US"/>
           </a:p>
@@ -929,23 +924,22 @@
         </p:nvSpPr>
         <p:spPr>
           <a:xfrm>
-            <a:off x="722313" y="4406900"/>
-            <a:ext cx="7772400" cy="1362075"/>
+            <a:off x="722313" y="3305176"/>
+            <a:ext cx="7772400" cy="1021556"/>
           </a:xfrm>
         </p:spPr>
         <p:txBody>
           <a:bodyPr anchor="t"/>
           <a:lstStyle>
             <a:lvl1pPr algn="l">
-              <a:defRPr sz="4000" b="1" cap="all"/>
+              <a:defRPr sz="3000" b="1" cap="all"/>
             </a:lvl1pPr>
           </a:lstStyle>
           <a:p>
             <a:r>
-              <a:rPr lang="en-US" smtClean="0"/>
+              <a:rPr lang="en-US"/>
               <a:t>Click to edit Master title style</a:t>
             </a:r>
-            <a:endParaRPr lang="en-US"/>
           </a:p>
         </p:txBody>
       </p:sp>
@@ -961,8 +955,8 @@
         </p:nvSpPr>
         <p:spPr>
           <a:xfrm>
-            <a:off x="722313" y="2906713"/>
-            <a:ext cx="7772400" cy="1500187"/>
+            <a:off x="722313" y="2180035"/>
+            <a:ext cx="7772400" cy="1125140"/>
           </a:xfrm>
         </p:spPr>
         <p:txBody>
@@ -970,7 +964,7 @@
           <a:lstStyle>
             <a:lvl1pPr marL="0" indent="0">
               <a:buNone/>
-              <a:defRPr sz="2000">
+              <a:defRPr sz="1500">
                 <a:solidFill>
                   <a:schemeClr val="tx1">
                     <a:tint val="75000"/>
@@ -978,9 +972,9 @@
                 </a:solidFill>
               </a:defRPr>
             </a:lvl1pPr>
-            <a:lvl2pPr marL="457200" indent="0">
-              <a:buNone/>
-              <a:defRPr sz="1800">
+            <a:lvl2pPr marL="342900" indent="0">
+              <a:buNone/>
+              <a:defRPr sz="1350">
                 <a:solidFill>
                   <a:schemeClr val="tx1">
                     <a:tint val="75000"/>
@@ -988,9 +982,9 @@
                 </a:solidFill>
               </a:defRPr>
             </a:lvl2pPr>
-            <a:lvl3pPr marL="914400" indent="0">
-              <a:buNone/>
-              <a:defRPr sz="1600">
+            <a:lvl3pPr marL="685800" indent="0">
+              <a:buNone/>
+              <a:defRPr sz="1200">
                 <a:solidFill>
                   <a:schemeClr val="tx1">
                     <a:tint val="75000"/>
@@ -998,9 +992,9 @@
                 </a:solidFill>
               </a:defRPr>
             </a:lvl3pPr>
-            <a:lvl4pPr marL="1371600" indent="0">
-              <a:buNone/>
-              <a:defRPr sz="1400">
+            <a:lvl4pPr marL="1028700" indent="0">
+              <a:buNone/>
+              <a:defRPr sz="1050">
                 <a:solidFill>
                   <a:schemeClr val="tx1">
                     <a:tint val="75000"/>
@@ -1008,9 +1002,9 @@
                 </a:solidFill>
               </a:defRPr>
             </a:lvl4pPr>
-            <a:lvl5pPr marL="1828800" indent="0">
-              <a:buNone/>
-              <a:defRPr sz="1400">
+            <a:lvl5pPr marL="1371600" indent="0">
+              <a:buNone/>
+              <a:defRPr sz="1050">
                 <a:solidFill>
                   <a:schemeClr val="tx1">
                     <a:tint val="75000"/>
@@ -1018,9 +1012,9 @@
                 </a:solidFill>
               </a:defRPr>
             </a:lvl5pPr>
-            <a:lvl6pPr marL="2286000" indent="0">
-              <a:buNone/>
-              <a:defRPr sz="1400">
+            <a:lvl6pPr marL="1714500" indent="0">
+              <a:buNone/>
+              <a:defRPr sz="1050">
                 <a:solidFill>
                   <a:schemeClr val="tx1">
                     <a:tint val="75000"/>
@@ -1028,9 +1022,9 @@
                 </a:solidFill>
               </a:defRPr>
             </a:lvl6pPr>
-            <a:lvl7pPr marL="2743200" indent="0">
-              <a:buNone/>
-              <a:defRPr sz="1400">
+            <a:lvl7pPr marL="2057400" indent="0">
+              <a:buNone/>
+              <a:defRPr sz="1050">
                 <a:solidFill>
                   <a:schemeClr val="tx1">
                     <a:tint val="75000"/>
@@ -1038,9 +1032,9 @@
                 </a:solidFill>
               </a:defRPr>
             </a:lvl7pPr>
-            <a:lvl8pPr marL="3200400" indent="0">
-              <a:buNone/>
-              <a:defRPr sz="1400">
+            <a:lvl8pPr marL="2400300" indent="0">
+              <a:buNone/>
+              <a:defRPr sz="1050">
                 <a:solidFill>
                   <a:schemeClr val="tx1">
                     <a:tint val="75000"/>
@@ -1048,9 +1042,9 @@
                 </a:solidFill>
               </a:defRPr>
             </a:lvl8pPr>
-            <a:lvl9pPr marL="3657600" indent="0">
-              <a:buNone/>
-              <a:defRPr sz="1400">
+            <a:lvl9pPr marL="2743200" indent="0">
+              <a:buNone/>
+              <a:defRPr sz="1050">
                 <a:solidFill>
                   <a:schemeClr val="tx1">
                     <a:tint val="75000"/>
@@ -1062,7 +1056,7 @@
           <a:p>
             <a:pPr lvl="0"/>
             <a:r>
-              <a:rPr lang="en-US" smtClean="0"/>
+              <a:rPr lang="en-US"/>
               <a:t>Click to edit Master text styles</a:t>
             </a:r>
           </a:p>
@@ -1085,7 +1079,7 @@
           <a:p>
             <a:fld id="{241EB5C9-1307-BA42-ABA2-0BC069CD8E7F}" type="datetimeFigureOut">
               <a:rPr lang="en-US" smtClean="0"/>
-              <a:t>4/5/2019</a:t>
+              <a:t>1/2/22</a:t>
             </a:fld>
             <a:endParaRPr lang="en-US"/>
           </a:p>
@@ -1179,10 +1173,9 @@
           <a:lstStyle/>
           <a:p>
             <a:r>
-              <a:rPr lang="en-US" smtClean="0"/>
+              <a:rPr lang="en-US"/>
               <a:t>Click to edit Master title style</a:t>
             </a:r>
-            <a:endParaRPr lang="en-US"/>
           </a:p>
         </p:txBody>
       </p:sp>
@@ -1198,76 +1191,75 @@
         </p:nvSpPr>
         <p:spPr>
           <a:xfrm>
-            <a:off x="457200" y="1600200"/>
-            <a:ext cx="4038600" cy="4525963"/>
+            <a:off x="457200" y="1200151"/>
+            <a:ext cx="4038600" cy="3394472"/>
           </a:xfrm>
         </p:spPr>
         <p:txBody>
           <a:bodyPr/>
           <a:lstStyle>
             <a:lvl1pPr>
-              <a:defRPr sz="2800"/>
+              <a:defRPr sz="2100"/>
             </a:lvl1pPr>
             <a:lvl2pPr>
-              <a:defRPr sz="2400"/>
+              <a:defRPr sz="1800"/>
             </a:lvl2pPr>
             <a:lvl3pPr>
-              <a:defRPr sz="2000"/>
+              <a:defRPr sz="1500"/>
             </a:lvl3pPr>
             <a:lvl4pPr>
-              <a:defRPr sz="1800"/>
+              <a:defRPr sz="1350"/>
             </a:lvl4pPr>
             <a:lvl5pPr>
-              <a:defRPr sz="1800"/>
+              <a:defRPr sz="1350"/>
             </a:lvl5pPr>
             <a:lvl6pPr>
-              <a:defRPr sz="1800"/>
+              <a:defRPr sz="1350"/>
             </a:lvl6pPr>
             <a:lvl7pPr>
-              <a:defRPr sz="1800"/>
+              <a:defRPr sz="1350"/>
             </a:lvl7pPr>
             <a:lvl8pPr>
-              <a:defRPr sz="1800"/>
+              <a:defRPr sz="1350"/>
             </a:lvl8pPr>
             <a:lvl9pPr>
-              <a:defRPr sz="1800"/>
+              <a:defRPr sz="1350"/>
             </a:lvl9pPr>
           </a:lstStyle>
           <a:p>
             <a:pPr lvl="0"/>
             <a:r>
-              <a:rPr lang="en-US" smtClean="0"/>
+              <a:rPr lang="en-US"/>
               <a:t>Click to edit Master text styles</a:t>
             </a:r>
           </a:p>
           <a:p>
             <a:pPr lvl="1"/>
             <a:r>
-              <a:rPr lang="en-US" smtClean="0"/>
+              <a:rPr lang="en-US"/>
               <a:t>Second level</a:t>
             </a:r>
           </a:p>
           <a:p>
             <a:pPr lvl="2"/>
             <a:r>
-              <a:rPr lang="en-US" smtClean="0"/>
+              <a:rPr lang="en-US"/>
               <a:t>Third level</a:t>
             </a:r>
           </a:p>
           <a:p>
             <a:pPr lvl="3"/>
             <a:r>
-              <a:rPr lang="en-US" smtClean="0"/>
+              <a:rPr lang="en-US"/>
               <a:t>Fourth level</a:t>
             </a:r>
           </a:p>
           <a:p>
             <a:pPr lvl="4"/>
             <a:r>
-              <a:rPr lang="en-US" smtClean="0"/>
+              <a:rPr lang="en-US"/>
               <a:t>Fifth level</a:t>
             </a:r>
-            <a:endParaRPr lang="en-US"/>
           </a:p>
         </p:txBody>
       </p:sp>
@@ -1283,76 +1275,75 @@
         </p:nvSpPr>
         <p:spPr>
           <a:xfrm>
-            <a:off x="4648200" y="1600200"/>
-            <a:ext cx="4038600" cy="4525963"/>
+            <a:off x="4648200" y="1200151"/>
+            <a:ext cx="4038600" cy="3394472"/>
           </a:xfrm>
         </p:spPr>
         <p:txBody>
           <a:bodyPr/>
           <a:lstStyle>
             <a:lvl1pPr>
-              <a:defRPr sz="2800"/>
+              <a:defRPr sz="2100"/>
             </a:lvl1pPr>
             <a:lvl2pPr>
-              <a:defRPr sz="2400"/>
+              <a:defRPr sz="1800"/>
             </a:lvl2pPr>
             <a:lvl3pPr>
-              <a:defRPr sz="2000"/>
+              <a:defRPr sz="1500"/>
             </a:lvl3pPr>
             <a:lvl4pPr>
-              <a:defRPr sz="1800"/>
+              <a:defRPr sz="1350"/>
             </a:lvl4pPr>
             <a:lvl5pPr>
-              <a:defRPr sz="1800"/>
+              <a:defRPr sz="1350"/>
             </a:lvl5pPr>
             <a:lvl6pPr>
-              <a:defRPr sz="1800"/>
+              <a:defRPr sz="1350"/>
             </a:lvl6pPr>
             <a:lvl7pPr>
-              <a:defRPr sz="1800"/>
+              <a:defRPr sz="1350"/>
             </a:lvl7pPr>
             <a:lvl8pPr>
-              <a:defRPr sz="1800"/>
+              <a:defRPr sz="1350"/>
             </a:lvl8pPr>
             <a:lvl9pPr>
-              <a:defRPr sz="1800"/>
+              <a:defRPr sz="1350"/>
             </a:lvl9pPr>
           </a:lstStyle>
           <a:p>
             <a:pPr lvl="0"/>
             <a:r>
-              <a:rPr lang="en-US" smtClean="0"/>
+              <a:rPr lang="en-US"/>
               <a:t>Click to edit Master text styles</a:t>
             </a:r>
           </a:p>
           <a:p>
             <a:pPr lvl="1"/>
             <a:r>
-              <a:rPr lang="en-US" smtClean="0"/>
+              <a:rPr lang="en-US"/>
               <a:t>Second level</a:t>
             </a:r>
           </a:p>
           <a:p>
             <a:pPr lvl="2"/>
             <a:r>
-              <a:rPr lang="en-US" smtClean="0"/>
+              <a:rPr lang="en-US"/>
               <a:t>Third level</a:t>
             </a:r>
           </a:p>
           <a:p>
             <a:pPr lvl="3"/>
             <a:r>
-              <a:rPr lang="en-US" smtClean="0"/>
+              <a:rPr lang="en-US"/>
               <a:t>Fourth level</a:t>
             </a:r>
           </a:p>
           <a:p>
             <a:pPr lvl="4"/>
             <a:r>
-              <a:rPr lang="en-US" smtClean="0"/>
+              <a:rPr lang="en-US"/>
               <a:t>Fifth level</a:t>
             </a:r>
-            <a:endParaRPr lang="en-US"/>
           </a:p>
         </p:txBody>
       </p:sp>
@@ -1373,7 +1364,7 @@
           <a:p>
             <a:fld id="{241EB5C9-1307-BA42-ABA2-0BC069CD8E7F}" type="datetimeFigureOut">
               <a:rPr lang="en-US" smtClean="0"/>
-              <a:t>4/5/2019</a:t>
+              <a:t>1/2/22</a:t>
             </a:fld>
             <a:endParaRPr lang="en-US"/>
           </a:p>
@@ -1471,10 +1462,9 @@
           </a:lstStyle>
           <a:p>
             <a:r>
-              <a:rPr lang="en-US" smtClean="0"/>
+              <a:rPr lang="en-US"/>
               <a:t>Click to edit Master title style</a:t>
             </a:r>
-            <a:endParaRPr lang="en-US"/>
           </a:p>
         </p:txBody>
       </p:sp>
@@ -1490,8 +1480,8 @@
         </p:nvSpPr>
         <p:spPr>
           <a:xfrm>
-            <a:off x="457200" y="1535113"/>
-            <a:ext cx="4040188" cy="639762"/>
+            <a:off x="457200" y="1151335"/>
+            <a:ext cx="4040188" cy="479822"/>
           </a:xfrm>
         </p:spPr>
         <p:txBody>
@@ -1499,45 +1489,45 @@
           <a:lstStyle>
             <a:lvl1pPr marL="0" indent="0">
               <a:buNone/>
-              <a:defRPr sz="2400" b="1"/>
+              <a:defRPr sz="1800" b="1"/>
             </a:lvl1pPr>
-            <a:lvl2pPr marL="457200" indent="0">
-              <a:buNone/>
-              <a:defRPr sz="2000" b="1"/>
+            <a:lvl2pPr marL="342900" indent="0">
+              <a:buNone/>
+              <a:defRPr sz="1500" b="1"/>
             </a:lvl2pPr>
-            <a:lvl3pPr marL="914400" indent="0">
-              <a:buNone/>
-              <a:defRPr sz="1800" b="1"/>
+            <a:lvl3pPr marL="685800" indent="0">
+              <a:buNone/>
+              <a:defRPr sz="1350" b="1"/>
             </a:lvl3pPr>
-            <a:lvl4pPr marL="1371600" indent="0">
-              <a:buNone/>
-              <a:defRPr sz="1600" b="1"/>
+            <a:lvl4pPr marL="1028700" indent="0">
+              <a:buNone/>
+              <a:defRPr sz="1200" b="1"/>
             </a:lvl4pPr>
-            <a:lvl5pPr marL="1828800" indent="0">
-              <a:buNone/>
-              <a:defRPr sz="1600" b="1"/>
+            <a:lvl5pPr marL="1371600" indent="0">
+              <a:buNone/>
+              <a:defRPr sz="1200" b="1"/>
             </a:lvl5pPr>
-            <a:lvl6pPr marL="2286000" indent="0">
-              <a:buNone/>
-              <a:defRPr sz="1600" b="1"/>
+            <a:lvl6pPr marL="1714500" indent="0">
+              <a:buNone/>
+              <a:defRPr sz="1200" b="1"/>
             </a:lvl6pPr>
-            <a:lvl7pPr marL="2743200" indent="0">
-              <a:buNone/>
-              <a:defRPr sz="1600" b="1"/>
+            <a:lvl7pPr marL="2057400" indent="0">
+              <a:buNone/>
+              <a:defRPr sz="1200" b="1"/>
             </a:lvl7pPr>
-            <a:lvl8pPr marL="3200400" indent="0">
-              <a:buNone/>
-              <a:defRPr sz="1600" b="1"/>
+            <a:lvl8pPr marL="2400300" indent="0">
+              <a:buNone/>
+              <a:defRPr sz="1200" b="1"/>
             </a:lvl8pPr>
-            <a:lvl9pPr marL="3657600" indent="0">
-              <a:buNone/>
-              <a:defRPr sz="1600" b="1"/>
+            <a:lvl9pPr marL="2743200" indent="0">
+              <a:buNone/>
+              <a:defRPr sz="1200" b="1"/>
             </a:lvl9pPr>
           </a:lstStyle>
           <a:p>
             <a:pPr lvl="0"/>
             <a:r>
-              <a:rPr lang="en-US" smtClean="0"/>
+              <a:rPr lang="en-US"/>
               <a:t>Click to edit Master text styles</a:t>
             </a:r>
           </a:p>
@@ -1555,76 +1545,75 @@
         </p:nvSpPr>
         <p:spPr>
           <a:xfrm>
-            <a:off x="457200" y="2174875"/>
-            <a:ext cx="4040188" cy="3951288"/>
+            <a:off x="457200" y="1631156"/>
+            <a:ext cx="4040188" cy="2963466"/>
           </a:xfrm>
         </p:spPr>
         <p:txBody>
           <a:bodyPr/>
           <a:lstStyle>
             <a:lvl1pPr>
-              <a:defRPr sz="2400"/>
+              <a:defRPr sz="1800"/>
             </a:lvl1pPr>
             <a:lvl2pPr>
-              <a:defRPr sz="2000"/>
+              <a:defRPr sz="1500"/>
             </a:lvl2pPr>
             <a:lvl3pPr>
-              <a:defRPr sz="1800"/>
+              <a:defRPr sz="1350"/>
             </a:lvl3pPr>
             <a:lvl4pPr>
-              <a:defRPr sz="1600"/>
+              <a:defRPr sz="1200"/>
             </a:lvl4pPr>
             <a:lvl5pPr>
-              <a:defRPr sz="1600"/>
+              <a:defRPr sz="1200"/>
             </a:lvl5pPr>
             <a:lvl6pPr>
-              <a:defRPr sz="1600"/>
+              <a:defRPr sz="1200"/>
             </a:lvl6pPr>
             <a:lvl7pPr>
-              <a:defRPr sz="1600"/>
+              <a:defRPr sz="1200"/>
             </a:lvl7pPr>
             <a:lvl8pPr>
-              <a:defRPr sz="1600"/>
+              <a:defRPr sz="1200"/>
             </a:lvl8pPr>
             <a:lvl9pPr>
-              <a:defRPr sz="1600"/>
+              <a:defRPr sz="1200"/>
             </a:lvl9pPr>
           </a:lstStyle>
           <a:p>
             <a:pPr lvl="0"/>
             <a:r>
-              <a:rPr lang="en-US" smtClean="0"/>
+              <a:rPr lang="en-US"/>
               <a:t>Click to edit Master text styles</a:t>
             </a:r>
           </a:p>
           <a:p>
             <a:pPr lvl="1"/>
             <a:r>
-              <a:rPr lang="en-US" smtClean="0"/>
+              <a:rPr lang="en-US"/>
               <a:t>Second level</a:t>
             </a:r>
           </a:p>
           <a:p>
             <a:pPr lvl="2"/>
             <a:r>
-              <a:rPr lang="en-US" smtClean="0"/>
+              <a:rPr lang="en-US"/>
               <a:t>Third level</a:t>
             </a:r>
           </a:p>
           <a:p>
             <a:pPr lvl="3"/>
             <a:r>
-              <a:rPr lang="en-US" smtClean="0"/>
+              <a:rPr lang="en-US"/>
               <a:t>Fourth level</a:t>
             </a:r>
           </a:p>
           <a:p>
             <a:pPr lvl="4"/>
             <a:r>
-              <a:rPr lang="en-US" smtClean="0"/>
+              <a:rPr lang="en-US"/>
               <a:t>Fifth level</a:t>
             </a:r>
-            <a:endParaRPr lang="en-US"/>
           </a:p>
         </p:txBody>
       </p:sp>
@@ -1640,8 +1629,8 @@
         </p:nvSpPr>
         <p:spPr>
           <a:xfrm>
-            <a:off x="4645025" y="1535113"/>
-            <a:ext cx="4041775" cy="639762"/>
+            <a:off x="4645026" y="1151335"/>
+            <a:ext cx="4041775" cy="479822"/>
           </a:xfrm>
         </p:spPr>
         <p:txBody>
@@ -1649,45 +1638,45 @@
           <a:lstStyle>
             <a:lvl1pPr marL="0" indent="0">
               <a:buNone/>
-              <a:defRPr sz="2400" b="1"/>
+              <a:defRPr sz="1800" b="1"/>
             </a:lvl1pPr>
-            <a:lvl2pPr marL="457200" indent="0">
-              <a:buNone/>
-              <a:defRPr sz="2000" b="1"/>
+            <a:lvl2pPr marL="342900" indent="0">
+              <a:buNone/>
+              <a:defRPr sz="1500" b="1"/>
             </a:lvl2pPr>
-            <a:lvl3pPr marL="914400" indent="0">
-              <a:buNone/>
-              <a:defRPr sz="1800" b="1"/>
+            <a:lvl3pPr marL="685800" indent="0">
+              <a:buNone/>
+              <a:defRPr sz="1350" b="1"/>
             </a:lvl3pPr>
-            <a:lvl4pPr marL="1371600" indent="0">
-              <a:buNone/>
-              <a:defRPr sz="1600" b="1"/>
+            <a:lvl4pPr marL="1028700" indent="0">
+              <a:buNone/>
+              <a:defRPr sz="1200" b="1"/>
             </a:lvl4pPr>
-            <a:lvl5pPr marL="1828800" indent="0">
-              <a:buNone/>
-              <a:defRPr sz="1600" b="1"/>
+            <a:lvl5pPr marL="1371600" indent="0">
+              <a:buNone/>
+              <a:defRPr sz="1200" b="1"/>
             </a:lvl5pPr>
-            <a:lvl6pPr marL="2286000" indent="0">
-              <a:buNone/>
-              <a:defRPr sz="1600" b="1"/>
+            <a:lvl6pPr marL="1714500" indent="0">
+              <a:buNone/>
+              <a:defRPr sz="1200" b="1"/>
             </a:lvl6pPr>
-            <a:lvl7pPr marL="2743200" indent="0">
-              <a:buNone/>
-              <a:defRPr sz="1600" b="1"/>
+            <a:lvl7pPr marL="2057400" indent="0">
+              <a:buNone/>
+              <a:defRPr sz="1200" b="1"/>
             </a:lvl7pPr>
-            <a:lvl8pPr marL="3200400" indent="0">
-              <a:buNone/>
-              <a:defRPr sz="1600" b="1"/>
+            <a:lvl8pPr marL="2400300" indent="0">
+              <a:buNone/>
+              <a:defRPr sz="1200" b="1"/>
             </a:lvl8pPr>
-            <a:lvl9pPr marL="3657600" indent="0">
-              <a:buNone/>
-              <a:defRPr sz="1600" b="1"/>
+            <a:lvl9pPr marL="2743200" indent="0">
+              <a:buNone/>
+              <a:defRPr sz="1200" b="1"/>
             </a:lvl9pPr>
           </a:lstStyle>
           <a:p>
             <a:pPr lvl="0"/>
             <a:r>
-              <a:rPr lang="en-US" smtClean="0"/>
+              <a:rPr lang="en-US"/>
               <a:t>Click to edit Master text styles</a:t>
             </a:r>
           </a:p>
@@ -1705,76 +1694,75 @@
         </p:nvSpPr>
         <p:spPr>
           <a:xfrm>
-            <a:off x="4645025" y="2174875"/>
-            <a:ext cx="4041775" cy="3951288"/>
+            <a:off x="4645026" y="1631156"/>
+            <a:ext cx="4041775" cy="2963466"/>
           </a:xfrm>
         </p:spPr>
         <p:txBody>
           <a:bodyPr/>
           <a:lstStyle>
             <a:lvl1pPr>
-              <a:defRPr sz="2400"/>
+              <a:defRPr sz="1800"/>
             </a:lvl1pPr>
             <a:lvl2pPr>
-              <a:defRPr sz="2000"/>
+              <a:defRPr sz="1500"/>
             </a:lvl2pPr>
             <a:lvl3pPr>
-              <a:defRPr sz="1800"/>
+              <a:defRPr sz="1350"/>
             </a:lvl3pPr>
             <a:lvl4pPr>
-              <a:defRPr sz="1600"/>
+              <a:defRPr sz="1200"/>
             </a:lvl4pPr>
             <a:lvl5pPr>
-              <a:defRPr sz="1600"/>
+              <a:defRPr sz="1200"/>
             </a:lvl5pPr>
             <a:lvl6pPr>
-              <a:defRPr sz="1600"/>
+              <a:defRPr sz="1200"/>
             </a:lvl6pPr>
             <a:lvl7pPr>
-              <a:defRPr sz="1600"/>
+              <a:defRPr sz="1200"/>
             </a:lvl7pPr>
             <a:lvl8pPr>
-              <a:defRPr sz="1600"/>
+              <a:defRPr sz="1200"/>
             </a:lvl8pPr>
             <a:lvl9pPr>
-              <a:defRPr sz="1600"/>
+              <a:defRPr sz="1200"/>
             </a:lvl9pPr>
           </a:lstStyle>
           <a:p>
             <a:pPr lvl="0"/>
             <a:r>
-              <a:rPr lang="en-US" smtClean="0"/>
+              <a:rPr lang="en-US"/>
               <a:t>Click to edit Master text styles</a:t>
             </a:r>
           </a:p>
           <a:p>
             <a:pPr lvl="1"/>
             <a:r>
-              <a:rPr lang="en-US" smtClean="0"/>
+              <a:rPr lang="en-US"/>
               <a:t>Second level</a:t>
             </a:r>
           </a:p>
           <a:p>
             <a:pPr lvl="2"/>
             <a:r>
-              <a:rPr lang="en-US" smtClean="0"/>
+              <a:rPr lang="en-US"/>
               <a:t>Third level</a:t>
             </a:r>
           </a:p>
           <a:p>
             <a:pPr lvl="3"/>
             <a:r>
-              <a:rPr lang="en-US" smtClean="0"/>
+              <a:rPr lang="en-US"/>
               <a:t>Fourth level</a:t>
             </a:r>
           </a:p>
           <a:p>
             <a:pPr lvl="4"/>
             <a:r>
-              <a:rPr lang="en-US" smtClean="0"/>
+              <a:rPr lang="en-US"/>
               <a:t>Fifth level</a:t>
             </a:r>
-            <a:endParaRPr lang="en-US"/>
           </a:p>
         </p:txBody>
       </p:sp>
@@ -1795,7 +1783,7 @@
           <a:p>
             <a:fld id="{241EB5C9-1307-BA42-ABA2-0BC069CD8E7F}" type="datetimeFigureOut">
               <a:rPr lang="en-US" smtClean="0"/>
-              <a:t>4/5/2019</a:t>
+              <a:t>1/2/22</a:t>
             </a:fld>
             <a:endParaRPr lang="en-US"/>
           </a:p>
@@ -1889,10 +1877,9 @@
           <a:lstStyle/>
           <a:p>
             <a:r>
-              <a:rPr lang="en-US" smtClean="0"/>
+              <a:rPr lang="en-US"/>
               <a:t>Click to edit Master title style</a:t>
             </a:r>
-            <a:endParaRPr lang="en-US"/>
           </a:p>
         </p:txBody>
       </p:sp>
@@ -1913,7 +1900,7 @@
           <a:p>
             <a:fld id="{241EB5C9-1307-BA42-ABA2-0BC069CD8E7F}" type="datetimeFigureOut">
               <a:rPr lang="en-US" smtClean="0"/>
-              <a:t>4/5/2019</a:t>
+              <a:t>1/2/22</a:t>
             </a:fld>
             <a:endParaRPr lang="en-US"/>
           </a:p>
@@ -2008,7 +1995,7 @@
           <a:p>
             <a:fld id="{241EB5C9-1307-BA42-ABA2-0BC069CD8E7F}" type="datetimeFigureOut">
               <a:rPr lang="en-US" smtClean="0"/>
-              <a:t>4/5/2019</a:t>
+              <a:t>1/2/22</a:t>
             </a:fld>
             <a:endParaRPr lang="en-US"/>
           </a:p>
@@ -2098,23 +2085,22 @@
         </p:nvSpPr>
         <p:spPr>
           <a:xfrm>
-            <a:off x="457200" y="273050"/>
-            <a:ext cx="3008313" cy="1162050"/>
+            <a:off x="457201" y="204787"/>
+            <a:ext cx="3008313" cy="871538"/>
           </a:xfrm>
         </p:spPr>
         <p:txBody>
           <a:bodyPr anchor="b"/>
           <a:lstStyle>
             <a:lvl1pPr algn="l">
-              <a:defRPr sz="2000" b="1"/>
+              <a:defRPr sz="1500" b="1"/>
             </a:lvl1pPr>
           </a:lstStyle>
           <a:p>
             <a:r>
-              <a:rPr lang="en-US" smtClean="0"/>
+              <a:rPr lang="en-US"/>
               <a:t>Click to edit Master title style</a:t>
             </a:r>
-            <a:endParaRPr lang="en-US"/>
           </a:p>
         </p:txBody>
       </p:sp>
@@ -2130,76 +2116,75 @@
         </p:nvSpPr>
         <p:spPr>
           <a:xfrm>
-            <a:off x="3575050" y="273050"/>
-            <a:ext cx="5111750" cy="5853113"/>
+            <a:off x="3575050" y="204788"/>
+            <a:ext cx="5111750" cy="4389835"/>
           </a:xfrm>
         </p:spPr>
         <p:txBody>
           <a:bodyPr/>
           <a:lstStyle>
             <a:lvl1pPr>
-              <a:defRPr sz="3200"/>
+              <a:defRPr sz="2400"/>
             </a:lvl1pPr>
             <a:lvl2pPr>
-              <a:defRPr sz="2800"/>
+              <a:defRPr sz="2100"/>
             </a:lvl2pPr>
             <a:lvl3pPr>
-              <a:defRPr sz="2400"/>
+              <a:defRPr sz="1800"/>
             </a:lvl3pPr>
             <a:lvl4pPr>
-              <a:defRPr sz="2000"/>
+              <a:defRPr sz="1500"/>
             </a:lvl4pPr>
             <a:lvl5pPr>
-              <a:defRPr sz="2000"/>
+              <a:defRPr sz="1500"/>
             </a:lvl5pPr>
             <a:lvl6pPr>
-              <a:defRPr sz="2000"/>
+              <a:defRPr sz="1500"/>
             </a:lvl6pPr>
             <a:lvl7pPr>
-              <a:defRPr sz="2000"/>
+              <a:defRPr sz="1500"/>
             </a:lvl7pPr>
             <a:lvl8pPr>
-              <a:defRPr sz="2000"/>
+              <a:defRPr sz="1500"/>
             </a:lvl8pPr>
             <a:lvl9pPr>
-              <a:defRPr sz="2000"/>
+              <a:defRPr sz="1500"/>
             </a:lvl9pPr>
           </a:lstStyle>
           <a:p>
             <a:pPr lvl="0"/>
             <a:r>
-              <a:rPr lang="en-US" smtClean="0"/>
+              <a:rPr lang="en-US"/>
               <a:t>Click to edit Master text styles</a:t>
             </a:r>
           </a:p>
           <a:p>
             <a:pPr lvl="1"/>
             <a:r>
-              <a:rPr lang="en-US" smtClean="0"/>
+              <a:rPr lang="en-US"/>
               <a:t>Second level</a:t>
             </a:r>
           </a:p>
           <a:p>
             <a:pPr lvl="2"/>
             <a:r>
-              <a:rPr lang="en-US" smtClean="0"/>
+              <a:rPr lang="en-US"/>
               <a:t>Third level</a:t>
             </a:r>
           </a:p>
           <a:p>
             <a:pPr lvl="3"/>
             <a:r>
-              <a:rPr lang="en-US" smtClean="0"/>
+              <a:rPr lang="en-US"/>
               <a:t>Fourth level</a:t>
             </a:r>
           </a:p>
           <a:p>
             <a:pPr lvl="4"/>
             <a:r>
-              <a:rPr lang="en-US" smtClean="0"/>
+              <a:rPr lang="en-US"/>
               <a:t>Fifth level</a:t>
             </a:r>
-            <a:endParaRPr lang="en-US"/>
           </a:p>
         </p:txBody>
       </p:sp>
@@ -2215,8 +2200,8 @@
         </p:nvSpPr>
         <p:spPr>
           <a:xfrm>
-            <a:off x="457200" y="1435100"/>
-            <a:ext cx="3008313" cy="4691063"/>
+            <a:off x="457201" y="1076326"/>
+            <a:ext cx="3008313" cy="3518297"/>
           </a:xfrm>
         </p:spPr>
         <p:txBody>
@@ -2224,45 +2209,45 @@
           <a:lstStyle>
             <a:lvl1pPr marL="0" indent="0">
               <a:buNone/>
-              <a:defRPr sz="1400"/>
+              <a:defRPr sz="1050"/>
             </a:lvl1pPr>
-            <a:lvl2pPr marL="457200" indent="0">
-              <a:buNone/>
-              <a:defRPr sz="1200"/>
+            <a:lvl2pPr marL="342900" indent="0">
+              <a:buNone/>
+              <a:defRPr sz="900"/>
             </a:lvl2pPr>
-            <a:lvl3pPr marL="914400" indent="0">
-              <a:buNone/>
-              <a:defRPr sz="1000"/>
+            <a:lvl3pPr marL="685800" indent="0">
+              <a:buNone/>
+              <a:defRPr sz="750"/>
             </a:lvl3pPr>
-            <a:lvl4pPr marL="1371600" indent="0">
-              <a:buNone/>
-              <a:defRPr sz="900"/>
+            <a:lvl4pPr marL="1028700" indent="0">
+              <a:buNone/>
+              <a:defRPr sz="675"/>
             </a:lvl4pPr>
-            <a:lvl5pPr marL="1828800" indent="0">
-              <a:buNone/>
-              <a:defRPr sz="900"/>
+            <a:lvl5pPr marL="1371600" indent="0">
+              <a:buNone/>
+              <a:defRPr sz="675"/>
             </a:lvl5pPr>
-            <a:lvl6pPr marL="2286000" indent="0">
-              <a:buNone/>
-              <a:defRPr sz="900"/>
+            <a:lvl6pPr marL="1714500" indent="0">
+              <a:buNone/>
+              <a:defRPr sz="675"/>
             </a:lvl6pPr>
-            <a:lvl7pPr marL="2743200" indent="0">
-              <a:buNone/>
-              <a:defRPr sz="900"/>
+            <a:lvl7pPr marL="2057400" indent="0">
+              <a:buNone/>
+              <a:defRPr sz="675"/>
             </a:lvl7pPr>
-            <a:lvl8pPr marL="3200400" indent="0">
-              <a:buNone/>
-              <a:defRPr sz="900"/>
+            <a:lvl8pPr marL="2400300" indent="0">
+              <a:buNone/>
+              <a:defRPr sz="675"/>
             </a:lvl8pPr>
-            <a:lvl9pPr marL="3657600" indent="0">
-              <a:buNone/>
-              <a:defRPr sz="900"/>
+            <a:lvl9pPr marL="2743200" indent="0">
+              <a:buNone/>
+              <a:defRPr sz="675"/>
             </a:lvl9pPr>
           </a:lstStyle>
           <a:p>
             <a:pPr lvl="0"/>
             <a:r>
-              <a:rPr lang="en-US" smtClean="0"/>
+              <a:rPr lang="en-US"/>
               <a:t>Click to edit Master text styles</a:t>
             </a:r>
           </a:p>
@@ -2285,7 +2270,7 @@
           <a:p>
             <a:fld id="{241EB5C9-1307-BA42-ABA2-0BC069CD8E7F}" type="datetimeFigureOut">
               <a:rPr lang="en-US" smtClean="0"/>
-              <a:t>4/5/2019</a:t>
+              <a:t>1/2/22</a:t>
             </a:fld>
             <a:endParaRPr lang="en-US"/>
           </a:p>
@@ -2375,23 +2360,22 @@
         </p:nvSpPr>
         <p:spPr>
           <a:xfrm>
-            <a:off x="1792288" y="4800600"/>
-            <a:ext cx="5486400" cy="566738"/>
+            <a:off x="1792288" y="3600450"/>
+            <a:ext cx="5486400" cy="425054"/>
           </a:xfrm>
         </p:spPr>
         <p:txBody>
           <a:bodyPr anchor="b"/>
           <a:lstStyle>
             <a:lvl1pPr algn="l">
-              <a:defRPr sz="2000" b="1"/>
+              <a:defRPr sz="1500" b="1"/>
             </a:lvl1pPr>
           </a:lstStyle>
           <a:p>
             <a:r>
-              <a:rPr lang="en-US" smtClean="0"/>
+              <a:rPr lang="en-US"/>
               <a:t>Click to edit Master title style</a:t>
             </a:r>
-            <a:endParaRPr lang="en-US"/>
           </a:p>
         </p:txBody>
       </p:sp>
@@ -2407,8 +2391,8 @@
         </p:nvSpPr>
         <p:spPr>
           <a:xfrm>
-            <a:off x="1792288" y="612775"/>
-            <a:ext cx="5486400" cy="4114800"/>
+            <a:off x="1792288" y="459581"/>
+            <a:ext cx="5486400" cy="3086100"/>
           </a:xfrm>
         </p:spPr>
         <p:txBody>
@@ -2416,39 +2400,39 @@
           <a:lstStyle>
             <a:lvl1pPr marL="0" indent="0">
               <a:buNone/>
-              <a:defRPr sz="3200"/>
+              <a:defRPr sz="2400"/>
             </a:lvl1pPr>
-            <a:lvl2pPr marL="457200" indent="0">
-              <a:buNone/>
-              <a:defRPr sz="2800"/>
+            <a:lvl2pPr marL="342900" indent="0">
+              <a:buNone/>
+              <a:defRPr sz="2100"/>
             </a:lvl2pPr>
-            <a:lvl3pPr marL="914400" indent="0">
-              <a:buNone/>
-              <a:defRPr sz="2400"/>
+            <a:lvl3pPr marL="685800" indent="0">
+              <a:buNone/>
+              <a:defRPr sz="1800"/>
             </a:lvl3pPr>
-            <a:lvl4pPr marL="1371600" indent="0">
-              <a:buNone/>
-              <a:defRPr sz="2000"/>
+            <a:lvl4pPr marL="1028700" indent="0">
+              <a:buNone/>
+              <a:defRPr sz="1500"/>
             </a:lvl4pPr>
-            <a:lvl5pPr marL="1828800" indent="0">
-              <a:buNone/>
-              <a:defRPr sz="2000"/>
+            <a:lvl5pPr marL="1371600" indent="0">
+              <a:buNone/>
+              <a:defRPr sz="1500"/>
             </a:lvl5pPr>
-            <a:lvl6pPr marL="2286000" indent="0">
-              <a:buNone/>
-              <a:defRPr sz="2000"/>
+            <a:lvl6pPr marL="1714500" indent="0">
+              <a:buNone/>
+              <a:defRPr sz="1500"/>
             </a:lvl6pPr>
-            <a:lvl7pPr marL="2743200" indent="0">
-              <a:buNone/>
-              <a:defRPr sz="2000"/>
+            <a:lvl7pPr marL="2057400" indent="0">
+              <a:buNone/>
+              <a:defRPr sz="1500"/>
             </a:lvl7pPr>
-            <a:lvl8pPr marL="3200400" indent="0">
-              <a:buNone/>
-              <a:defRPr sz="2000"/>
+            <a:lvl8pPr marL="2400300" indent="0">
+              <a:buNone/>
+              <a:defRPr sz="1500"/>
             </a:lvl8pPr>
-            <a:lvl9pPr marL="3657600" indent="0">
-              <a:buNone/>
-              <a:defRPr sz="2000"/>
+            <a:lvl9pPr marL="2743200" indent="0">
+              <a:buNone/>
+              <a:defRPr sz="1500"/>
             </a:lvl9pPr>
           </a:lstStyle>
           <a:p>
@@ -2468,8 +2452,8 @@
         </p:nvSpPr>
         <p:spPr>
           <a:xfrm>
-            <a:off x="1792288" y="5367338"/>
-            <a:ext cx="5486400" cy="804862"/>
+            <a:off x="1792288" y="4025503"/>
+            <a:ext cx="5486400" cy="603647"/>
           </a:xfrm>
         </p:spPr>
         <p:txBody>
@@ -2477,45 +2461,45 @@
           <a:lstStyle>
             <a:lvl1pPr marL="0" indent="0">
               <a:buNone/>
-              <a:defRPr sz="1400"/>
+              <a:defRPr sz="1050"/>
             </a:lvl1pPr>
-            <a:lvl2pPr marL="457200" indent="0">
-              <a:buNone/>
-              <a:defRPr sz="1200"/>
+            <a:lvl2pPr marL="342900" indent="0">
+              <a:buNone/>
+              <a:defRPr sz="900"/>
             </a:lvl2pPr>
-            <a:lvl3pPr marL="914400" indent="0">
-              <a:buNone/>
-              <a:defRPr sz="1000"/>
+            <a:lvl3pPr marL="685800" indent="0">
+              <a:buNone/>
+              <a:defRPr sz="750"/>
             </a:lvl3pPr>
-            <a:lvl4pPr marL="1371600" indent="0">
-              <a:buNone/>
-              <a:defRPr sz="900"/>
+            <a:lvl4pPr marL="1028700" indent="0">
+              <a:buNone/>
+              <a:defRPr sz="675"/>
             </a:lvl4pPr>
-            <a:lvl5pPr marL="1828800" indent="0">
-              <a:buNone/>
-              <a:defRPr sz="900"/>
+            <a:lvl5pPr marL="1371600" indent="0">
+              <a:buNone/>
+              <a:defRPr sz="675"/>
             </a:lvl5pPr>
-            <a:lvl6pPr marL="2286000" indent="0">
-              <a:buNone/>
-              <a:defRPr sz="900"/>
+            <a:lvl6pPr marL="1714500" indent="0">
+              <a:buNone/>
+              <a:defRPr sz="675"/>
             </a:lvl6pPr>
-            <a:lvl7pPr marL="2743200" indent="0">
-              <a:buNone/>
-              <a:defRPr sz="900"/>
+            <a:lvl7pPr marL="2057400" indent="0">
+              <a:buNone/>
+              <a:defRPr sz="675"/>
             </a:lvl7pPr>
-            <a:lvl8pPr marL="3200400" indent="0">
-              <a:buNone/>
-              <a:defRPr sz="900"/>
+            <a:lvl8pPr marL="2400300" indent="0">
+              <a:buNone/>
+              <a:defRPr sz="675"/>
             </a:lvl8pPr>
-            <a:lvl9pPr marL="3657600" indent="0">
-              <a:buNone/>
-              <a:defRPr sz="900"/>
+            <a:lvl9pPr marL="2743200" indent="0">
+              <a:buNone/>
+              <a:defRPr sz="675"/>
             </a:lvl9pPr>
           </a:lstStyle>
           <a:p>
             <a:pPr lvl="0"/>
             <a:r>
-              <a:rPr lang="en-US" smtClean="0"/>
+              <a:rPr lang="en-US"/>
               <a:t>Click to edit Master text styles</a:t>
             </a:r>
           </a:p>
@@ -2538,7 +2522,7 @@
           <a:p>
             <a:fld id="{241EB5C9-1307-BA42-ABA2-0BC069CD8E7F}" type="datetimeFigureOut">
               <a:rPr lang="en-US" smtClean="0"/>
-              <a:t>4/5/2019</a:t>
+              <a:t>1/2/22</a:t>
             </a:fld>
             <a:endParaRPr lang="en-US"/>
           </a:p>
@@ -2633,8 +2617,8 @@
         </p:nvSpPr>
         <p:spPr>
           <a:xfrm>
-            <a:off x="457200" y="274638"/>
-            <a:ext cx="8229600" cy="1143000"/>
+            <a:off x="457200" y="205979"/>
+            <a:ext cx="8229600" cy="857250"/>
           </a:xfrm>
           <a:prstGeom prst="rect">
             <a:avLst/>
@@ -2647,10 +2631,9 @@
           <a:lstStyle/>
           <a:p>
             <a:r>
-              <a:rPr lang="en-US" smtClean="0"/>
+              <a:rPr lang="en-US"/>
               <a:t>Click to edit Master title style</a:t>
             </a:r>
-            <a:endParaRPr lang="en-US"/>
           </a:p>
         </p:txBody>
       </p:sp>
@@ -2666,8 +2649,8 @@
         </p:nvSpPr>
         <p:spPr>
           <a:xfrm>
-            <a:off x="457200" y="1600200"/>
-            <a:ext cx="8229600" cy="4525963"/>
+            <a:off x="457200" y="1200151"/>
+            <a:ext cx="8229600" cy="3394472"/>
           </a:xfrm>
           <a:prstGeom prst="rect">
             <a:avLst/>
@@ -2681,38 +2664,37 @@
           <a:p>
             <a:pPr lvl="0"/>
             <a:r>
-              <a:rPr lang="en-US" smtClean="0"/>
+              <a:rPr lang="en-US"/>
               <a:t>Click to edit Master text styles</a:t>
             </a:r>
           </a:p>
           <a:p>
             <a:pPr lvl="1"/>
             <a:r>
-              <a:rPr lang="en-US" smtClean="0"/>
+              <a:rPr lang="en-US"/>
               <a:t>Second level</a:t>
             </a:r>
           </a:p>
           <a:p>
             <a:pPr lvl="2"/>
             <a:r>
-              <a:rPr lang="en-US" smtClean="0"/>
+              <a:rPr lang="en-US"/>
               <a:t>Third level</a:t>
             </a:r>
           </a:p>
           <a:p>
             <a:pPr lvl="3"/>
             <a:r>
-              <a:rPr lang="en-US" smtClean="0"/>
+              <a:rPr lang="en-US"/>
               <a:t>Fourth level</a:t>
             </a:r>
           </a:p>
           <a:p>
             <a:pPr lvl="4"/>
             <a:r>
-              <a:rPr lang="en-US" smtClean="0"/>
+              <a:rPr lang="en-US"/>
               <a:t>Fifth level</a:t>
             </a:r>
-            <a:endParaRPr lang="en-US"/>
           </a:p>
         </p:txBody>
       </p:sp>
@@ -2728,8 +2710,8 @@
         </p:nvSpPr>
         <p:spPr>
           <a:xfrm>
-            <a:off x="457200" y="6356350"/>
-            <a:ext cx="2133600" cy="365125"/>
+            <a:off x="457200" y="4767263"/>
+            <a:ext cx="2133600" cy="273844"/>
           </a:xfrm>
           <a:prstGeom prst="rect">
             <a:avLst/>
@@ -2739,7 +2721,7 @@
           <a:bodyPr anchor="ctr" bIns="45720" lIns="91440" rIns="91440" rtlCol="0" tIns="45720" vert="horz"/>
           <a:lstStyle>
             <a:lvl1pPr algn="l">
-              <a:defRPr sz="1200">
+              <a:defRPr sz="900">
                 <a:solidFill>
                   <a:schemeClr val="tx1">
                     <a:tint val="75000"/>
@@ -2751,7 +2733,7 @@
           <a:p>
             <a:fld id="{241EB5C9-1307-BA42-ABA2-0BC069CD8E7F}" type="datetimeFigureOut">
               <a:rPr lang="en-US" smtClean="0"/>
-              <a:t>4/5/2019</a:t>
+              <a:t>1/2/22</a:t>
             </a:fld>
             <a:endParaRPr lang="en-US"/>
           </a:p>
@@ -2769,8 +2751,8 @@
         </p:nvSpPr>
         <p:spPr>
           <a:xfrm>
-            <a:off x="3124200" y="6356350"/>
-            <a:ext cx="2895600" cy="365125"/>
+            <a:off x="3124200" y="4767263"/>
+            <a:ext cx="2895600" cy="273844"/>
           </a:xfrm>
           <a:prstGeom prst="rect">
             <a:avLst/>
@@ -2780,7 +2762,7 @@
           <a:bodyPr anchor="ctr" bIns="45720" lIns="91440" rIns="91440" rtlCol="0" tIns="45720" vert="horz"/>
           <a:lstStyle>
             <a:lvl1pPr algn="ctr">
-              <a:defRPr sz="1200">
+              <a:defRPr sz="900">
                 <a:solidFill>
                   <a:schemeClr val="tx1">
                     <a:tint val="75000"/>
@@ -2806,8 +2788,8 @@
         </p:nvSpPr>
         <p:spPr>
           <a:xfrm>
-            <a:off x="6553200" y="6356350"/>
-            <a:ext cx="2133600" cy="365125"/>
+            <a:off x="6553200" y="4767263"/>
+            <a:ext cx="2133600" cy="273844"/>
           </a:xfrm>
           <a:prstGeom prst="rect">
             <a:avLst/>
@@ -2817,7 +2799,7 @@
           <a:bodyPr anchor="ctr" bIns="45720" lIns="91440" rIns="91440" rtlCol="0" tIns="45720" vert="horz"/>
           <a:lstStyle>
             <a:lvl1pPr algn="r">
-              <a:defRPr sz="1200">
+              <a:defRPr sz="900">
                 <a:solidFill>
                   <a:schemeClr val="tx1">
                     <a:tint val="75000"/>
@@ -2858,12 +2840,12 @@
   </p:sldLayoutIdLst>
   <p:txStyles>
     <p:titleStyle>
-      <a:lvl1pPr algn="ctr" defTabSz="457200" eaLnBrk="1" hangingPunct="1" latinLnBrk="0" rtl="0">
+      <a:lvl1pPr algn="ctr" defTabSz="342900" eaLnBrk="1" hangingPunct="1" latinLnBrk="0" rtl="0">
         <a:spcBef>
           <a:spcPct val="0"/>
         </a:spcBef>
         <a:buNone/>
-        <a:defRPr kern="1200" sz="4400">
+        <a:defRPr kern="1200" sz="3300">
           <a:solidFill>
             <a:schemeClr val="tx1"/>
           </a:solidFill>
@@ -2874,37 +2856,7 @@
       </a:lvl1pPr>
     </p:titleStyle>
     <p:bodyStyle>
-      <a:lvl1pPr algn="l" defTabSz="457200" eaLnBrk="1" hangingPunct="1" indent="-457200" latinLnBrk="0" marL="457200" rtl="0">
-        <a:spcBef>
-          <a:spcPct val="20000"/>
-        </a:spcBef>
-        <a:buFont typeface="Arial"/>
-        <a:buChar char="•"/>
-        <a:defRPr kern="1200" sz="3200">
-          <a:solidFill>
-            <a:schemeClr val="tx1"/>
-          </a:solidFill>
-          <a:latin typeface="+mn-lt"/>
-          <a:ea typeface="+mn-ea"/>
-          <a:cs typeface="+mn-cs"/>
-        </a:defRPr>
-      </a:lvl1pPr>
-      <a:lvl2pPr algn="l" defTabSz="457200" eaLnBrk="1" hangingPunct="1" indent="-457200" latinLnBrk="0" marL="914400" rtl="0">
-        <a:spcBef>
-          <a:spcPct val="20000"/>
-        </a:spcBef>
-        <a:buFont typeface="Arial"/>
-        <a:buChar char="–"/>
-        <a:defRPr kern="1200" sz="2800">
-          <a:solidFill>
-            <a:schemeClr val="tx1"/>
-          </a:solidFill>
-          <a:latin typeface="+mn-lt"/>
-          <a:ea typeface="+mn-ea"/>
-          <a:cs typeface="+mn-cs"/>
-        </a:defRPr>
-      </a:lvl2pPr>
-      <a:lvl3pPr algn="l" defTabSz="457200" eaLnBrk="1" hangingPunct="1" indent="-457200" latinLnBrk="0" marL="1371600" rtl="0">
+      <a:lvl1pPr algn="l" defTabSz="342900" eaLnBrk="1" hangingPunct="1" indent="-342900" latinLnBrk="0" marL="342900" rtl="0">
         <a:spcBef>
           <a:spcPct val="20000"/>
         </a:spcBef>
@@ -2918,14 +2870,44 @@
           <a:ea typeface="+mn-ea"/>
           <a:cs typeface="+mn-cs"/>
         </a:defRPr>
-      </a:lvl3pPr>
-      <a:lvl4pPr algn="l" defTabSz="457200" eaLnBrk="1" hangingPunct="1" indent="-457200" latinLnBrk="0" marL="1828800" rtl="0">
+      </a:lvl1pPr>
+      <a:lvl2pPr algn="l" defTabSz="342900" eaLnBrk="1" hangingPunct="1" indent="-342900" latinLnBrk="0" marL="685800" rtl="0">
         <a:spcBef>
           <a:spcPct val="20000"/>
         </a:spcBef>
         <a:buFont typeface="Arial"/>
         <a:buChar char="–"/>
-        <a:defRPr kern="1200" sz="2000">
+        <a:defRPr kern="1200" sz="2100">
+          <a:solidFill>
+            <a:schemeClr val="tx1"/>
+          </a:solidFill>
+          <a:latin typeface="+mn-lt"/>
+          <a:ea typeface="+mn-ea"/>
+          <a:cs typeface="+mn-cs"/>
+        </a:defRPr>
+      </a:lvl2pPr>
+      <a:lvl3pPr algn="l" defTabSz="342900" eaLnBrk="1" hangingPunct="1" indent="-342900" latinLnBrk="0" marL="1028700" rtl="0">
+        <a:spcBef>
+          <a:spcPct val="20000"/>
+        </a:spcBef>
+        <a:buFont typeface="Arial"/>
+        <a:buChar char="•"/>
+        <a:defRPr kern="1200" sz="1800">
+          <a:solidFill>
+            <a:schemeClr val="tx1"/>
+          </a:solidFill>
+          <a:latin typeface="+mn-lt"/>
+          <a:ea typeface="+mn-ea"/>
+          <a:cs typeface="+mn-cs"/>
+        </a:defRPr>
+      </a:lvl3pPr>
+      <a:lvl4pPr algn="l" defTabSz="342900" eaLnBrk="1" hangingPunct="1" indent="-342900" latinLnBrk="0" marL="1371600" rtl="0">
+        <a:spcBef>
+          <a:spcPct val="20000"/>
+        </a:spcBef>
+        <a:buFont typeface="Arial"/>
+        <a:buChar char="–"/>
+        <a:defRPr kern="1200" sz="1500">
           <a:solidFill>
             <a:schemeClr val="tx1"/>
           </a:solidFill>
@@ -2934,13 +2916,13 @@
           <a:cs typeface="+mn-cs"/>
         </a:defRPr>
       </a:lvl4pPr>
-      <a:lvl5pPr algn="l" defTabSz="457200" eaLnBrk="1" hangingPunct="1" indent="-457200" latinLnBrk="0" marL="2286000" rtl="0">
+      <a:lvl5pPr algn="l" defTabSz="342900" eaLnBrk="1" hangingPunct="1" indent="-342900" latinLnBrk="0" marL="1714500" rtl="0">
         <a:spcBef>
           <a:spcPct val="20000"/>
         </a:spcBef>
         <a:buFont typeface="Arial"/>
         <a:buChar char="»"/>
-        <a:defRPr kern="1200" sz="2000">
+        <a:defRPr kern="1200" sz="1500">
           <a:solidFill>
             <a:schemeClr val="tx1"/>
           </a:solidFill>
@@ -2949,13 +2931,13 @@
           <a:cs typeface="+mn-cs"/>
         </a:defRPr>
       </a:lvl5pPr>
-      <a:lvl6pPr algn="l" defTabSz="457200" eaLnBrk="1" hangingPunct="1" indent="-457200" latinLnBrk="0" marL="2743200" rtl="0">
+      <a:lvl6pPr algn="l" defTabSz="342900" eaLnBrk="1" hangingPunct="1" indent="-342900" latinLnBrk="0" marL="2057400" rtl="0">
         <a:spcBef>
           <a:spcPct val="20000"/>
         </a:spcBef>
         <a:buFont typeface="Arial"/>
         <a:buChar char="•"/>
-        <a:defRPr kern="1200" sz="2000">
+        <a:defRPr kern="1200" sz="1500">
           <a:solidFill>
             <a:schemeClr val="tx1"/>
           </a:solidFill>
@@ -2964,13 +2946,13 @@
           <a:cs typeface="+mn-cs"/>
         </a:defRPr>
       </a:lvl6pPr>
-      <a:lvl7pPr algn="l" defTabSz="457200" eaLnBrk="1" hangingPunct="1" indent="-457200" latinLnBrk="0" marL="3200400" rtl="0">
+      <a:lvl7pPr algn="l" defTabSz="342900" eaLnBrk="1" hangingPunct="1" indent="-342900" latinLnBrk="0" marL="2400300" rtl="0">
         <a:spcBef>
           <a:spcPct val="20000"/>
         </a:spcBef>
         <a:buFont typeface="Arial"/>
         <a:buChar char="•"/>
-        <a:defRPr kern="1200" sz="2000">
+        <a:defRPr kern="1200" sz="1500">
           <a:solidFill>
             <a:schemeClr val="tx1"/>
           </a:solidFill>
@@ -2979,13 +2961,13 @@
           <a:cs typeface="+mn-cs"/>
         </a:defRPr>
       </a:lvl7pPr>
-      <a:lvl8pPr algn="l" defTabSz="457200" eaLnBrk="1" hangingPunct="1" indent="-457200" latinLnBrk="0" marL="3657600" rtl="0">
+      <a:lvl8pPr algn="l" defTabSz="342900" eaLnBrk="1" hangingPunct="1" indent="-342900" latinLnBrk="0" marL="2743200" rtl="0">
         <a:spcBef>
           <a:spcPct val="20000"/>
         </a:spcBef>
         <a:buFont typeface="Arial"/>
         <a:buChar char="•"/>
-        <a:defRPr kern="1200" sz="2000">
+        <a:defRPr kern="1200" sz="1500">
           <a:solidFill>
             <a:schemeClr val="tx1"/>
           </a:solidFill>
@@ -2994,13 +2976,13 @@
           <a:cs typeface="+mn-cs"/>
         </a:defRPr>
       </a:lvl8pPr>
-      <a:lvl9pPr algn="l" defTabSz="457200" eaLnBrk="1" hangingPunct="1" indent="-457200" latinLnBrk="0" marL="4114800" rtl="0">
+      <a:lvl9pPr algn="l" defTabSz="342900" eaLnBrk="1" hangingPunct="1" indent="-342900" latinLnBrk="0" marL="3086100" rtl="0">
         <a:spcBef>
           <a:spcPct val="20000"/>
         </a:spcBef>
         <a:buFont typeface="Arial"/>
         <a:buChar char="•"/>
-        <a:defRPr kern="1200" sz="2000">
+        <a:defRPr kern="1200" sz="1500">
           <a:solidFill>
             <a:schemeClr val="tx1"/>
           </a:solidFill>
@@ -3014,8 +2996,8 @@
       <a:defPPr>
         <a:defRPr lang="en-US"/>
       </a:defPPr>
-      <a:lvl1pPr algn="l" defTabSz="457200" eaLnBrk="1" hangingPunct="1" latinLnBrk="0" marL="0" rtl="0">
-        <a:defRPr kern="1200" sz="1800">
+      <a:lvl1pPr algn="l" defTabSz="342900" eaLnBrk="1" hangingPunct="1" latinLnBrk="0" marL="0" rtl="0">
+        <a:defRPr kern="1200" sz="1350">
           <a:solidFill>
             <a:schemeClr val="tx1"/>
           </a:solidFill>
@@ -3024,8 +3006,8 @@
           <a:cs typeface="+mn-cs"/>
         </a:defRPr>
       </a:lvl1pPr>
-      <a:lvl2pPr algn="l" defTabSz="457200" eaLnBrk="1" hangingPunct="1" latinLnBrk="0" marL="457200" rtl="0">
-        <a:defRPr kern="1200" sz="1800">
+      <a:lvl2pPr algn="l" defTabSz="342900" eaLnBrk="1" hangingPunct="1" latinLnBrk="0" marL="342900" rtl="0">
+        <a:defRPr kern="1200" sz="1350">
           <a:solidFill>
             <a:schemeClr val="tx1"/>
           </a:solidFill>
@@ -3034,8 +3016,8 @@
           <a:cs typeface="+mn-cs"/>
         </a:defRPr>
       </a:lvl2pPr>
-      <a:lvl3pPr algn="l" defTabSz="457200" eaLnBrk="1" hangingPunct="1" latinLnBrk="0" marL="914400" rtl="0">
-        <a:defRPr kern="1200" sz="1800">
+      <a:lvl3pPr algn="l" defTabSz="342900" eaLnBrk="1" hangingPunct="1" latinLnBrk="0" marL="685800" rtl="0">
+        <a:defRPr kern="1200" sz="1350">
           <a:solidFill>
             <a:schemeClr val="tx1"/>
           </a:solidFill>
@@ -3044,8 +3026,8 @@
           <a:cs typeface="+mn-cs"/>
         </a:defRPr>
       </a:lvl3pPr>
-      <a:lvl4pPr algn="l" defTabSz="457200" eaLnBrk="1" hangingPunct="1" latinLnBrk="0" marL="1371600" rtl="0">
-        <a:defRPr kern="1200" sz="1800">
+      <a:lvl4pPr algn="l" defTabSz="342900" eaLnBrk="1" hangingPunct="1" latinLnBrk="0" marL="1028700" rtl="0">
+        <a:defRPr kern="1200" sz="1350">
           <a:solidFill>
             <a:schemeClr val="tx1"/>
           </a:solidFill>
@@ -3054,8 +3036,8 @@
           <a:cs typeface="+mn-cs"/>
         </a:defRPr>
       </a:lvl4pPr>
-      <a:lvl5pPr algn="l" defTabSz="457200" eaLnBrk="1" hangingPunct="1" latinLnBrk="0" marL="1828800" rtl="0">
-        <a:defRPr kern="1200" sz="1800">
+      <a:lvl5pPr algn="l" defTabSz="342900" eaLnBrk="1" hangingPunct="1" latinLnBrk="0" marL="1371600" rtl="0">
+        <a:defRPr kern="1200" sz="1350">
           <a:solidFill>
             <a:schemeClr val="tx1"/>
           </a:solidFill>
@@ -3064,8 +3046,8 @@
           <a:cs typeface="+mn-cs"/>
         </a:defRPr>
       </a:lvl5pPr>
-      <a:lvl6pPr algn="l" defTabSz="457200" eaLnBrk="1" hangingPunct="1" latinLnBrk="0" marL="2286000" rtl="0">
-        <a:defRPr kern="1200" sz="1800">
+      <a:lvl6pPr algn="l" defTabSz="342900" eaLnBrk="1" hangingPunct="1" latinLnBrk="0" marL="1714500" rtl="0">
+        <a:defRPr kern="1200" sz="1350">
           <a:solidFill>
             <a:schemeClr val="tx1"/>
           </a:solidFill>
@@ -3074,8 +3056,8 @@
           <a:cs typeface="+mn-cs"/>
         </a:defRPr>
       </a:lvl6pPr>
-      <a:lvl7pPr algn="l" defTabSz="457200" eaLnBrk="1" hangingPunct="1" latinLnBrk="0" marL="2743200" rtl="0">
-        <a:defRPr kern="1200" sz="1800">
+      <a:lvl7pPr algn="l" defTabSz="342900" eaLnBrk="1" hangingPunct="1" latinLnBrk="0" marL="2057400" rtl="0">
+        <a:defRPr kern="1200" sz="1350">
           <a:solidFill>
             <a:schemeClr val="tx1"/>
           </a:solidFill>
@@ -3084,8 +3066,8 @@
           <a:cs typeface="+mn-cs"/>
         </a:defRPr>
       </a:lvl7pPr>
-      <a:lvl8pPr algn="l" defTabSz="457200" eaLnBrk="1" hangingPunct="1" latinLnBrk="0" marL="3200400" rtl="0">
-        <a:defRPr kern="1200" sz="1800">
+      <a:lvl8pPr algn="l" defTabSz="342900" eaLnBrk="1" hangingPunct="1" latinLnBrk="0" marL="2400300" rtl="0">
+        <a:defRPr kern="1200" sz="1350">
           <a:solidFill>
             <a:schemeClr val="tx1"/>
           </a:solidFill>
@@ -3094,8 +3076,8 @@
           <a:cs typeface="+mn-cs"/>
         </a:defRPr>
       </a:lvl8pPr>
-      <a:lvl9pPr algn="l" defTabSz="457200" eaLnBrk="1" hangingPunct="1" latinLnBrk="0" marL="3657600" rtl="0">
-        <a:defRPr kern="1200" sz="1800">
+      <a:lvl9pPr algn="l" defTabSz="342900" eaLnBrk="1" hangingPunct="1" latinLnBrk="0" marL="2743200" rtl="0">
+        <a:defRPr kern="1200" sz="1350">
           <a:solidFill>
             <a:schemeClr val="tx1"/>
           </a:solidFill>
@@ -3138,8 +3120,8 @@
         </p:nvSpPr>
         <p:spPr>
           <a:xfrm>
-            <a:off x="685800" y="2130425"/>
-            <a:ext cx="7772400" cy="1470025"/>
+            <a:off x="685800" y="1597819"/>
+            <a:ext cx="7772400" cy="1102519"/>
           </a:xfrm>
         </p:spPr>
         <p:txBody>
@@ -3168,8 +3150,8 @@
         </p:nvSpPr>
         <p:spPr>
           <a:xfrm>
-            <a:off x="1371600" y="3886200"/>
-            <a:ext cx="6400800" cy="1752600"/>
+            <a:off x="1371600" y="2914650"/>
+            <a:ext cx="6400800" cy="1314450"/>
           </a:xfrm>
         </p:spPr>
         <p:txBody>
@@ -3212,12 +3194,12 @@
       </p:grpSpPr>
       <p:sp>
         <p:nvSpPr>
-          <p:cNvPr id="3" name="Content Placeholder 2"/>
-          <p:cNvSpPr>
-            <a:spLocks noGrp="1"/>
-          </p:cNvSpPr>
-          <p:nvPr>
-            <p:ph idx="1"/>
+          <p:cNvPr id="2" name="Title 1"/>
+          <p:cNvSpPr>
+            <a:spLocks noGrp="1"/>
+          </p:cNvSpPr>
+          <p:nvPr>
+            <p:ph type="title"/>
           </p:nvPr>
         </p:nvSpPr>
         <p:spPr/>
@@ -3230,7 +3212,67 @@
             </a:pPr>
             <a:r>
               <a:rPr/>
-              <a:t> (Quelle: https://learn.netlify.app/en/cont/markdown/)</a:t>
+              <a:t>Lokale Abbildungen</a:t>
+            </a:r>
+          </a:p>
+        </p:txBody>
+      </p:sp>
+      <p:pic>
+        <p:nvPicPr>
+          <p:cNvPr descr="fig:  images/somefig.png" id="0" name="Picture 1"/>
+          <p:cNvPicPr>
+            <a:picLocks noGrp="1" noChangeAspect="1"/>
+          </p:cNvPicPr>
+          <p:nvPr/>
+        </p:nvPicPr>
+        <p:blipFill>
+          <a:blip r:embed="rId2"/>
+          <a:stretch>
+            <a:fillRect/>
+          </a:stretch>
+        </p:blipFill>
+        <p:spPr bwMode="auto">
+          <a:xfrm>
+            <a:off x="2565400" y="1193800"/>
+            <a:ext cx="4025900" cy="2882900"/>
+          </a:xfrm>
+          <a:prstGeom prst="rect">
+            <a:avLst/>
+          </a:prstGeom>
+          <a:noFill/>
+          <a:ln w="9525">
+            <a:noFill/>
+            <a:headEnd/>
+            <a:tailEnd/>
+          </a:ln>
+        </p:spPr>
+      </p:pic>
+      <p:sp>
+        <p:nvSpPr>
+          <p:cNvPr id="1" name="TextBox 3"/>
+          <p:cNvSpPr txBox="1"/>
+          <p:nvPr/>
+        </p:nvSpPr>
+        <p:spPr>
+          <a:xfrm>
+            <a:off x="457200" y="4076700"/>
+            <a:ext cx="8229600" cy="508000"/>
+          </a:xfrm>
+          <a:prstGeom prst="rect">
+            <a:avLst/>
+          </a:prstGeom>
+          <a:noFill/>
+        </p:spPr>
+        <p:txBody>
+          <a:bodyPr/>
+          <a:lstStyle/>
+          <a:p>
+            <a:pPr lvl="0" indent="0" marL="0" algn="ctr">
+              <a:buNone/>
+            </a:pPr>
+            <a:r>
+              <a:rPr/>
+              <a:t>Bildunterschrift</a:t>
             </a:r>
           </a:p>
         </p:txBody>
@@ -3277,6 +3319,160 @@
             </a:pPr>
             <a:r>
               <a:rPr/>
+              <a:t>Abbildungen im Web</a:t>
+            </a:r>
+          </a:p>
+        </p:txBody>
+      </p:sp>
+      <p:pic>
+        <p:nvPicPr>
+          <p:cNvPr descr="https://octodex.github.com/images/minion.png" id="0" name="Picture 1"/>
+          <p:cNvPicPr>
+            <a:picLocks noGrp="1" noChangeAspect="1"/>
+          </p:cNvPicPr>
+          <p:nvPr/>
+        </p:nvPicPr>
+        <p:blipFill>
+          <a:blip r:embed="rId2"/>
+          <a:stretch>
+            <a:fillRect/>
+          </a:stretch>
+        </p:blipFill>
+        <p:spPr bwMode="auto">
+          <a:xfrm>
+            <a:off x="3124200" y="1193800"/>
+            <a:ext cx="2882900" cy="2882900"/>
+          </a:xfrm>
+          <a:prstGeom prst="rect">
+            <a:avLst/>
+          </a:prstGeom>
+          <a:noFill/>
+          <a:ln w="9525">
+            <a:noFill/>
+            <a:headEnd/>
+            <a:tailEnd/>
+          </a:ln>
+        </p:spPr>
+      </p:pic>
+      <p:sp>
+        <p:nvSpPr>
+          <p:cNvPr id="1" name="TextBox 3"/>
+          <p:cNvSpPr txBox="1"/>
+          <p:nvPr/>
+        </p:nvSpPr>
+        <p:spPr>
+          <a:xfrm>
+            <a:off x="457200" y="4076700"/>
+            <a:ext cx="8229600" cy="508000"/>
+          </a:xfrm>
+          <a:prstGeom prst="rect">
+            <a:avLst/>
+          </a:prstGeom>
+          <a:noFill/>
+        </p:spPr>
+        <p:txBody>
+          <a:bodyPr/>
+          <a:lstStyle/>
+          <a:p>
+            <a:pPr lvl="0" indent="0" marL="0" algn="ctr">
+              <a:buNone/>
+            </a:pPr>
+            <a:r>
+              <a:rPr/>
+              <a:t>Minion</a:t>
+            </a:r>
+          </a:p>
+        </p:txBody>
+      </p:sp>
+    </p:spTree>
+  </p:cSld>
+</p:sld>
+</file>
+
+<file path=ppt/slides/slide12.xml><?xml version="1.0" encoding="utf-8"?>
+<p:sld xmlns:a="http://schemas.openxmlformats.org/drawingml/2006/main" xmlns:r="http://schemas.openxmlformats.org/officeDocument/2006/relationships" xmlns:p="http://schemas.openxmlformats.org/presentationml/2006/main">
+  <p:cSld>
+    <p:spTree>
+      <p:nvGrpSpPr>
+        <p:cNvPr id="1" name=""/>
+        <p:cNvGrpSpPr/>
+        <p:nvPr/>
+      </p:nvGrpSpPr>
+      <p:grpSpPr>
+        <a:xfrm>
+          <a:off x="0" y="0"/>
+          <a:ext cx="0" cy="0"/>
+          <a:chOff x="0" y="0"/>
+          <a:chExt cx="0" cy="0"/>
+        </a:xfrm>
+      </p:grpSpPr>
+      <p:sp>
+        <p:nvSpPr>
+          <p:cNvPr id="3" name="Content Placeholder 2"/>
+          <p:cNvSpPr>
+            <a:spLocks noGrp="1"/>
+          </p:cNvSpPr>
+          <p:nvPr>
+            <p:ph idx="1"/>
+          </p:nvPr>
+        </p:nvSpPr>
+        <p:spPr/>
+        <p:txBody>
+          <a:bodyPr/>
+          <a:lstStyle/>
+          <a:p>
+            <a:pPr lvl="0" indent="0" marL="0">
+              <a:buNone/>
+            </a:pPr>
+            <a:r>
+              <a:rPr/>
+              <a:t> (Quelle: https://learn.netlify.app/en/cont/markdown/)</a:t>
+            </a:r>
+          </a:p>
+        </p:txBody>
+      </p:sp>
+    </p:spTree>
+  </p:cSld>
+</p:sld>
+</file>
+
+<file path=ppt/slides/slide13.xml><?xml version="1.0" encoding="utf-8"?>
+<p:sld xmlns:a="http://schemas.openxmlformats.org/drawingml/2006/main" xmlns:r="http://schemas.openxmlformats.org/officeDocument/2006/relationships" xmlns:p="http://schemas.openxmlformats.org/presentationml/2006/main">
+  <p:cSld>
+    <p:spTree>
+      <p:nvGrpSpPr>
+        <p:cNvPr id="1" name=""/>
+        <p:cNvGrpSpPr/>
+        <p:nvPr/>
+      </p:nvGrpSpPr>
+      <p:grpSpPr>
+        <a:xfrm>
+          <a:off x="0" y="0"/>
+          <a:ext cx="0" cy="0"/>
+          <a:chOff x="0" y="0"/>
+          <a:chExt cx="0" cy="0"/>
+        </a:xfrm>
+      </p:grpSpPr>
+      <p:sp>
+        <p:nvSpPr>
+          <p:cNvPr id="2" name="Title 1"/>
+          <p:cNvSpPr>
+            <a:spLocks noGrp="1"/>
+          </p:cNvSpPr>
+          <p:nvPr>
+            <p:ph type="title"/>
+          </p:nvPr>
+        </p:nvSpPr>
+        <p:spPr/>
+        <p:txBody>
+          <a:bodyPr/>
+          <a:lstStyle/>
+          <a:p>
+            <a:pPr lvl="0" indent="0" marL="0">
+              <a:buNone/>
+            </a:pPr>
+            <a:r>
+              <a:rPr/>
               <a:t>Skalierte Abbildungen</a:t>
             </a:r>
           </a:p>
@@ -3298,8 +3494,8 @@
         </p:blipFill>
         <p:spPr bwMode="auto">
           <a:xfrm>
-            <a:off x="1778000" y="1600200"/>
-            <a:ext cx="5600700" cy="4013200"/>
+            <a:off x="2565400" y="1193800"/>
+            <a:ext cx="4025900" cy="2882900"/>
           </a:xfrm>
           <a:prstGeom prst="rect">
             <a:avLst/>
@@ -3320,7 +3516,7 @@
         </p:nvSpPr>
         <p:spPr>
           <a:xfrm>
-            <a:off x="457200" y="5613400"/>
+            <a:off x="457200" y="4076700"/>
             <a:ext cx="8229600" cy="508000"/>
           </a:xfrm>
           <a:prstGeom prst="rect">
@@ -3347,7 +3543,7 @@
 </p:sld>
 </file>
 
-<file path=ppt/slides/slide12.xml><?xml version="1.0" encoding="utf-8"?>
+<file path=ppt/slides/slide14.xml><?xml version="1.0" encoding="utf-8"?>
 <p:sld xmlns:a="http://schemas.openxmlformats.org/drawingml/2006/main" xmlns:r="http://schemas.openxmlformats.org/officeDocument/2006/relationships" xmlns:p="http://schemas.openxmlformats.org/presentationml/2006/main">
   <p:cSld>
     <p:spTree>
@@ -3380,8 +3576,8 @@
         </p:blipFill>
         <p:spPr bwMode="auto">
           <a:xfrm>
-            <a:off x="1422400" y="1600200"/>
-            <a:ext cx="6311900" cy="4521200"/>
+            <a:off x="2209800" y="1193800"/>
+            <a:ext cx="4737100" cy="3390900"/>
           </a:xfrm>
           <a:prstGeom prst="rect">
             <a:avLst/>
@@ -3394,568 +3590,6 @@
           </a:ln>
         </p:spPr>
       </p:pic>
-    </p:spTree>
-  </p:cSld>
-</p:sld>
-</file>
-
-<file path=ppt/slides/slide13.xml><?xml version="1.0" encoding="utf-8"?>
-<p:sld xmlns:a="http://schemas.openxmlformats.org/drawingml/2006/main" xmlns:r="http://schemas.openxmlformats.org/officeDocument/2006/relationships" xmlns:p="http://schemas.openxmlformats.org/presentationml/2006/main">
-  <p:cSld>
-    <p:spTree>
-      <p:nvGrpSpPr>
-        <p:cNvPr id="1" name=""/>
-        <p:cNvGrpSpPr/>
-        <p:nvPr/>
-      </p:nvGrpSpPr>
-      <p:grpSpPr>
-        <a:xfrm>
-          <a:off x="0" y="0"/>
-          <a:ext cx="0" cy="0"/>
-          <a:chOff x="0" y="0"/>
-          <a:chExt cx="0" cy="0"/>
-        </a:xfrm>
-      </p:grpSpPr>
-      <p:sp>
-        <p:nvSpPr>
-          <p:cNvPr id="2" name="Title 1"/>
-          <p:cNvSpPr>
-            <a:spLocks noGrp="1"/>
-          </p:cNvSpPr>
-          <p:nvPr>
-            <p:ph type="title"/>
-          </p:nvPr>
-        </p:nvSpPr>
-        <p:spPr/>
-        <p:txBody>
-          <a:bodyPr/>
-          <a:lstStyle/>
-          <a:p>
-            <a:pPr lvl="0" indent="0" marL="0">
-              <a:buNone/>
-            </a:pPr>
-            <a:r>
-              <a:rPr/>
-              <a:t>Code und Syntax-Highlighting</a:t>
-            </a:r>
-          </a:p>
-        </p:txBody>
-      </p:sp>
-      <p:sp>
-        <p:nvSpPr>
-          <p:cNvPr id="3" name="Content Placeholder 2"/>
-          <p:cNvSpPr>
-            <a:spLocks noGrp="1"/>
-          </p:cNvSpPr>
-          <p:nvPr>
-            <p:ph idx="1"/>
-          </p:nvPr>
-        </p:nvSpPr>
-        <p:spPr/>
-        <p:txBody>
-          <a:bodyPr/>
-          <a:lstStyle/>
-          <a:p>
-            <a:pPr lvl="0" indent="0">
-              <a:buNone/>
-            </a:pPr>
-            <a:r>
-              <a:rPr i="1">
-                <a:solidFill>
-                  <a:srgbClr val="60A0B0"/>
-                </a:solidFill>
-                <a:latin typeface="Courier"/>
-              </a:rPr>
-              <a:t>/*</a:t>
-            </a:r>
-            <a:br/>
-            <a:r>
-              <a:rPr i="1">
-                <a:solidFill>
-                  <a:srgbClr val="60A0B0"/>
-                </a:solidFill>
-                <a:latin typeface="Courier"/>
-              </a:rPr>
-              <a:t> * cHelloWorld.c</a:t>
-            </a:r>
-            <a:br/>
-            <a:r>
-              <a:rPr i="1">
-                <a:solidFill>
-                  <a:srgbClr val="60A0B0"/>
-                </a:solidFill>
-                <a:latin typeface="Courier"/>
-              </a:rPr>
-              <a:t> *</a:t>
-            </a:r>
-            <a:br/>
-            <a:r>
-              <a:rPr i="1">
-                <a:solidFill>
-                  <a:srgbClr val="60A0B0"/>
-                </a:solidFill>
-                <a:latin typeface="Courier"/>
-              </a:rPr>
-              <a:t> */</a:t>
-            </a:r>
-            <a:br/>
-            <a:r>
-              <a:rPr>
-                <a:solidFill>
-                  <a:srgbClr val="BC7A00"/>
-                </a:solidFill>
-                <a:latin typeface="Courier"/>
-              </a:rPr>
-              <a:t>#include </a:t>
-            </a:r>
-            <a:r>
-              <a:rPr>
-                <a:latin typeface="Courier"/>
-              </a:rPr>
-              <a:t>&lt;stdio.h&gt;</a:t>
-            </a:r>
-            <a:br/>
-            <a:br/>
-            <a:r>
-              <a:rPr>
-                <a:solidFill>
-                  <a:srgbClr val="902000"/>
-                </a:solidFill>
-                <a:latin typeface="Courier"/>
-              </a:rPr>
-              <a:t>int</a:t>
-            </a:r>
-            <a:r>
-              <a:rPr>
-                <a:latin typeface="Courier"/>
-              </a:rPr>
-              <a:t> main</a:t>
-            </a:r>
-            <a:r>
-              <a:rPr>
-                <a:solidFill>
-                  <a:srgbClr val="666666"/>
-                </a:solidFill>
-                <a:latin typeface="Courier"/>
-              </a:rPr>
-              <a:t>()</a:t>
-            </a:r>
-            <a:r>
-              <a:rPr>
-                <a:latin typeface="Courier"/>
-              </a:rPr>
-              <a:t> </a:t>
-            </a:r>
-            <a:r>
-              <a:rPr>
-                <a:solidFill>
-                  <a:srgbClr val="666666"/>
-                </a:solidFill>
-                <a:latin typeface="Courier"/>
-              </a:rPr>
-              <a:t>{</a:t>
-            </a:r>
-            <a:br/>
-            <a:r>
-              <a:rPr>
-                <a:latin typeface="Courier"/>
-              </a:rPr>
-              <a:t>    printf</a:t>
-            </a:r>
-            <a:r>
-              <a:rPr>
-                <a:solidFill>
-                  <a:srgbClr val="666666"/>
-                </a:solidFill>
-                <a:latin typeface="Courier"/>
-              </a:rPr>
-              <a:t>(</a:t>
-            </a:r>
-            <a:r>
-              <a:rPr>
-                <a:solidFill>
-                  <a:srgbClr val="4070A0"/>
-                </a:solidFill>
-                <a:latin typeface="Courier"/>
-              </a:rPr>
-              <a:t>"Hello World from C  :-)\n"</a:t>
-            </a:r>
-            <a:r>
-              <a:rPr>
-                <a:solidFill>
-                  <a:srgbClr val="666666"/>
-                </a:solidFill>
-                <a:latin typeface="Courier"/>
-              </a:rPr>
-              <a:t>);</a:t>
-            </a:r>
-            <a:br/>
-            <a:r>
-              <a:rPr>
-                <a:latin typeface="Courier"/>
-              </a:rPr>
-              <a:t>    </a:t>
-            </a:r>
-            <a:r>
-              <a:rPr b="1">
-                <a:solidFill>
-                  <a:srgbClr val="007020"/>
-                </a:solidFill>
-                <a:latin typeface="Courier"/>
-              </a:rPr>
-              <a:t>return</a:t>
-            </a:r>
-            <a:r>
-              <a:rPr>
-                <a:latin typeface="Courier"/>
-              </a:rPr>
-              <a:t> </a:t>
-            </a:r>
-            <a:r>
-              <a:rPr>
-                <a:solidFill>
-                  <a:srgbClr val="40A070"/>
-                </a:solidFill>
-                <a:latin typeface="Courier"/>
-              </a:rPr>
-              <a:t>0</a:t>
-            </a:r>
-            <a:r>
-              <a:rPr>
-                <a:solidFill>
-                  <a:srgbClr val="666666"/>
-                </a:solidFill>
-                <a:latin typeface="Courier"/>
-              </a:rPr>
-              <a:t>;</a:t>
-            </a:r>
-            <a:br/>
-            <a:r>
-              <a:rPr>
-                <a:solidFill>
-                  <a:srgbClr val="666666"/>
-                </a:solidFill>
-                <a:latin typeface="Courier"/>
-              </a:rPr>
-              <a:t>}</a:t>
-            </a:r>
-          </a:p>
-          <a:p>
-            <a:pPr lvl="0" indent="0" marL="0">
-              <a:buNone/>
-            </a:pPr>
-            <a:r>
-              <a:rPr/>
-              <a:t>Well, inline code like </a:t>
-            </a:r>
-            <a:r>
-              <a:rPr>
-                <a:latin typeface="Courier"/>
-              </a:rPr>
-              <a:t>int main()</a:t>
-            </a:r>
-            <a:r>
-              <a:rPr/>
-              <a:t> works too :) Also with syntax highlighting like </a:t>
-            </a:r>
-            <a:r>
-              <a:rPr>
-                <a:latin typeface="Courier"/>
-              </a:rPr>
-              <a:t>int main()</a:t>
-            </a:r>
-            <a:r>
-              <a:rPr/>
-              <a:t> …</a:t>
-            </a:r>
-          </a:p>
-        </p:txBody>
-      </p:sp>
-    </p:spTree>
-  </p:cSld>
-</p:sld>
-</file>
-
-<file path=ppt/slides/slide14.xml><?xml version="1.0" encoding="utf-8"?>
-<p:sld xmlns:a="http://schemas.openxmlformats.org/drawingml/2006/main" xmlns:r="http://schemas.openxmlformats.org/officeDocument/2006/relationships" xmlns:p="http://schemas.openxmlformats.org/presentationml/2006/main">
-  <p:cSld>
-    <p:spTree>
-      <p:nvGrpSpPr>
-        <p:cNvPr id="1" name=""/>
-        <p:cNvGrpSpPr/>
-        <p:nvPr/>
-      </p:nvGrpSpPr>
-      <p:grpSpPr>
-        <a:xfrm>
-          <a:off x="0" y="0"/>
-          <a:ext cx="0" cy="0"/>
-          <a:chOff x="0" y="0"/>
-          <a:chExt cx="0" cy="0"/>
-        </a:xfrm>
-      </p:grpSpPr>
-      <p:sp>
-        <p:nvSpPr>
-          <p:cNvPr id="2" name="Title 1"/>
-          <p:cNvSpPr>
-            <a:spLocks noGrp="1"/>
-          </p:cNvSpPr>
-          <p:nvPr>
-            <p:ph type="title"/>
-          </p:nvPr>
-        </p:nvSpPr>
-        <p:spPr/>
-        <p:txBody>
-          <a:bodyPr/>
-          <a:lstStyle/>
-          <a:p>
-            <a:pPr lvl="0" indent="0" marL="0">
-              <a:buNone/>
-            </a:pPr>
-            <a:r>
-              <a:rPr/>
-              <a:t>Code-Block</a:t>
-            </a:r>
-          </a:p>
-        </p:txBody>
-      </p:sp>
-      <p:sp>
-        <p:nvSpPr>
-          <p:cNvPr id="3" name="Content Placeholder 2"/>
-          <p:cNvSpPr>
-            <a:spLocks noGrp="1"/>
-          </p:cNvSpPr>
-          <p:nvPr>
-            <p:ph idx="1"/>
-          </p:nvPr>
-        </p:nvSpPr>
-        <p:spPr/>
-        <p:txBody>
-          <a:bodyPr/>
-          <a:lstStyle/>
-          <a:p>
-            <a:pPr lvl="0" indent="0">
-              <a:buNone/>
-            </a:pPr>
-            <a:r>
-              <a:rPr>
-                <a:latin typeface="Courier"/>
-              </a:rPr>
-              <a:t>print(</a:t>
-            </a:r>
-            <a:r>
-              <a:rPr>
-                <a:solidFill>
-                  <a:srgbClr val="4070A0"/>
-                </a:solidFill>
-                <a:latin typeface="Courier"/>
-              </a:rPr>
-              <a:t>"hello"</a:t>
-            </a:r>
-            <a:r>
-              <a:rPr>
-                <a:latin typeface="Courier"/>
-              </a:rPr>
-              <a:t>)</a:t>
-            </a:r>
-          </a:p>
-          <a:p>
-            <a:pPr lvl="0" indent="0">
-              <a:buNone/>
-            </a:pPr>
-            <a:r>
-              <a:rPr>
-                <a:latin typeface="Courier"/>
-              </a:rPr>
-              <a:t>hello</a:t>
-            </a:r>
-          </a:p>
-          <a:p>
-            <a:pPr lvl="0" indent="0">
-              <a:buNone/>
-            </a:pPr>
-            <a:r>
-              <a:rPr i="1">
-                <a:solidFill>
-                  <a:srgbClr val="60A0B0"/>
-                </a:solidFill>
-                <a:latin typeface="Courier"/>
-              </a:rPr>
-              <a:t>/*</a:t>
-            </a:r>
-            <a:br/>
-            <a:r>
-              <a:rPr i="1">
-                <a:solidFill>
-                  <a:srgbClr val="60A0B0"/>
-                </a:solidFill>
-                <a:latin typeface="Courier"/>
-              </a:rPr>
-              <a:t> * cHelloWorld.c</a:t>
-            </a:r>
-            <a:br/>
-            <a:r>
-              <a:rPr i="1">
-                <a:solidFill>
-                  <a:srgbClr val="60A0B0"/>
-                </a:solidFill>
-                <a:latin typeface="Courier"/>
-              </a:rPr>
-              <a:t> *</a:t>
-            </a:r>
-            <a:br/>
-            <a:r>
-              <a:rPr i="1">
-                <a:solidFill>
-                  <a:srgbClr val="60A0B0"/>
-                </a:solidFill>
-                <a:latin typeface="Courier"/>
-              </a:rPr>
-              <a:t> */</a:t>
-            </a:r>
-            <a:br/>
-            <a:r>
-              <a:rPr>
-                <a:solidFill>
-                  <a:srgbClr val="BC7A00"/>
-                </a:solidFill>
-                <a:latin typeface="Courier"/>
-              </a:rPr>
-              <a:t>#include </a:t>
-            </a:r>
-            <a:r>
-              <a:rPr>
-                <a:latin typeface="Courier"/>
-              </a:rPr>
-              <a:t>&lt;stdio.h&gt;</a:t>
-            </a:r>
-            <a:br/>
-            <a:br/>
-            <a:r>
-              <a:rPr>
-                <a:solidFill>
-                  <a:srgbClr val="902000"/>
-                </a:solidFill>
-                <a:latin typeface="Courier"/>
-              </a:rPr>
-              <a:t>int</a:t>
-            </a:r>
-            <a:r>
-              <a:rPr>
-                <a:latin typeface="Courier"/>
-              </a:rPr>
-              <a:t> main</a:t>
-            </a:r>
-            <a:r>
-              <a:rPr>
-                <a:solidFill>
-                  <a:srgbClr val="666666"/>
-                </a:solidFill>
-                <a:latin typeface="Courier"/>
-              </a:rPr>
-              <a:t>()</a:t>
-            </a:r>
-            <a:r>
-              <a:rPr>
-                <a:latin typeface="Courier"/>
-              </a:rPr>
-              <a:t> </a:t>
-            </a:r>
-            <a:r>
-              <a:rPr>
-                <a:solidFill>
-                  <a:srgbClr val="666666"/>
-                </a:solidFill>
-                <a:latin typeface="Courier"/>
-              </a:rPr>
-              <a:t>{</a:t>
-            </a:r>
-            <a:br/>
-            <a:r>
-              <a:rPr>
-                <a:latin typeface="Courier"/>
-              </a:rPr>
-              <a:t>    printf</a:t>
-            </a:r>
-            <a:r>
-              <a:rPr>
-                <a:solidFill>
-                  <a:srgbClr val="666666"/>
-                </a:solidFill>
-                <a:latin typeface="Courier"/>
-              </a:rPr>
-              <a:t>(</a:t>
-            </a:r>
-            <a:r>
-              <a:rPr>
-                <a:solidFill>
-                  <a:srgbClr val="4070A0"/>
-                </a:solidFill>
-                <a:latin typeface="Courier"/>
-              </a:rPr>
-              <a:t>"Hello World from C  :-)\n"</a:t>
-            </a:r>
-            <a:r>
-              <a:rPr>
-                <a:solidFill>
-                  <a:srgbClr val="666666"/>
-                </a:solidFill>
-                <a:latin typeface="Courier"/>
-              </a:rPr>
-              <a:t>);</a:t>
-            </a:r>
-            <a:br/>
-            <a:r>
-              <a:rPr>
-                <a:latin typeface="Courier"/>
-              </a:rPr>
-              <a:t>    </a:t>
-            </a:r>
-            <a:r>
-              <a:rPr b="1">
-                <a:solidFill>
-                  <a:srgbClr val="007020"/>
-                </a:solidFill>
-                <a:latin typeface="Courier"/>
-              </a:rPr>
-              <a:t>return</a:t>
-            </a:r>
-            <a:r>
-              <a:rPr>
-                <a:latin typeface="Courier"/>
-              </a:rPr>
-              <a:t> </a:t>
-            </a:r>
-            <a:r>
-              <a:rPr>
-                <a:solidFill>
-                  <a:srgbClr val="40A070"/>
-                </a:solidFill>
-                <a:latin typeface="Courier"/>
-              </a:rPr>
-              <a:t>0</a:t>
-            </a:r>
-            <a:r>
-              <a:rPr>
-                <a:solidFill>
-                  <a:srgbClr val="666666"/>
-                </a:solidFill>
-                <a:latin typeface="Courier"/>
-              </a:rPr>
-              <a:t>;</a:t>
-            </a:r>
-            <a:br/>
-            <a:r>
-              <a:rPr>
-                <a:solidFill>
-                  <a:srgbClr val="666666"/>
-                </a:solidFill>
-                <a:latin typeface="Courier"/>
-              </a:rPr>
-              <a:t>}</a:t>
-            </a:r>
-          </a:p>
-        </p:txBody>
-      </p:sp>
     </p:spTree>
   </p:cSld>
 </p:sld>
@@ -3998,6 +3632,568 @@
             </a:pPr>
             <a:r>
               <a:rPr/>
+              <a:t>Code und Syntax-Highlighting</a:t>
+            </a:r>
+          </a:p>
+        </p:txBody>
+      </p:sp>
+      <p:sp>
+        <p:nvSpPr>
+          <p:cNvPr id="3" name="Content Placeholder 2"/>
+          <p:cNvSpPr>
+            <a:spLocks noGrp="1"/>
+          </p:cNvSpPr>
+          <p:nvPr>
+            <p:ph idx="1"/>
+          </p:nvPr>
+        </p:nvSpPr>
+        <p:spPr/>
+        <p:txBody>
+          <a:bodyPr/>
+          <a:lstStyle/>
+          <a:p>
+            <a:pPr lvl="0" indent="0">
+              <a:buNone/>
+            </a:pPr>
+            <a:r>
+              <a:rPr i="1">
+                <a:solidFill>
+                  <a:srgbClr val="60A0B0"/>
+                </a:solidFill>
+                <a:latin typeface="Courier"/>
+              </a:rPr>
+              <a:t>/*</a:t>
+            </a:r>
+            <a:br/>
+            <a:r>
+              <a:rPr i="1">
+                <a:solidFill>
+                  <a:srgbClr val="60A0B0"/>
+                </a:solidFill>
+                <a:latin typeface="Courier"/>
+              </a:rPr>
+              <a:t> * cHelloWorld.c</a:t>
+            </a:r>
+            <a:br/>
+            <a:r>
+              <a:rPr i="1">
+                <a:solidFill>
+                  <a:srgbClr val="60A0B0"/>
+                </a:solidFill>
+                <a:latin typeface="Courier"/>
+              </a:rPr>
+              <a:t> *</a:t>
+            </a:r>
+            <a:br/>
+            <a:r>
+              <a:rPr i="1">
+                <a:solidFill>
+                  <a:srgbClr val="60A0B0"/>
+                </a:solidFill>
+                <a:latin typeface="Courier"/>
+              </a:rPr>
+              <a:t> */</a:t>
+            </a:r>
+            <a:br/>
+            <a:r>
+              <a:rPr>
+                <a:solidFill>
+                  <a:srgbClr val="BC7A00"/>
+                </a:solidFill>
+                <a:latin typeface="Courier"/>
+              </a:rPr>
+              <a:t>#include </a:t>
+            </a:r>
+            <a:r>
+              <a:rPr>
+                <a:latin typeface="Courier"/>
+              </a:rPr>
+              <a:t>&lt;stdio.h&gt;</a:t>
+            </a:r>
+            <a:br/>
+            <a:br/>
+            <a:r>
+              <a:rPr>
+                <a:solidFill>
+                  <a:srgbClr val="902000"/>
+                </a:solidFill>
+                <a:latin typeface="Courier"/>
+              </a:rPr>
+              <a:t>int</a:t>
+            </a:r>
+            <a:r>
+              <a:rPr>
+                <a:latin typeface="Courier"/>
+              </a:rPr>
+              <a:t> main</a:t>
+            </a:r>
+            <a:r>
+              <a:rPr>
+                <a:solidFill>
+                  <a:srgbClr val="666666"/>
+                </a:solidFill>
+                <a:latin typeface="Courier"/>
+              </a:rPr>
+              <a:t>()</a:t>
+            </a:r>
+            <a:r>
+              <a:rPr>
+                <a:latin typeface="Courier"/>
+              </a:rPr>
+              <a:t> </a:t>
+            </a:r>
+            <a:r>
+              <a:rPr>
+                <a:solidFill>
+                  <a:srgbClr val="666666"/>
+                </a:solidFill>
+                <a:latin typeface="Courier"/>
+              </a:rPr>
+              <a:t>{</a:t>
+            </a:r>
+            <a:br/>
+            <a:r>
+              <a:rPr>
+                <a:latin typeface="Courier"/>
+              </a:rPr>
+              <a:t>    printf</a:t>
+            </a:r>
+            <a:r>
+              <a:rPr>
+                <a:solidFill>
+                  <a:srgbClr val="666666"/>
+                </a:solidFill>
+                <a:latin typeface="Courier"/>
+              </a:rPr>
+              <a:t>(</a:t>
+            </a:r>
+            <a:r>
+              <a:rPr>
+                <a:solidFill>
+                  <a:srgbClr val="4070A0"/>
+                </a:solidFill>
+                <a:latin typeface="Courier"/>
+              </a:rPr>
+              <a:t>"Hello World from C  :-)\n"</a:t>
+            </a:r>
+            <a:r>
+              <a:rPr>
+                <a:solidFill>
+                  <a:srgbClr val="666666"/>
+                </a:solidFill>
+                <a:latin typeface="Courier"/>
+              </a:rPr>
+              <a:t>);</a:t>
+            </a:r>
+            <a:br/>
+            <a:r>
+              <a:rPr>
+                <a:latin typeface="Courier"/>
+              </a:rPr>
+              <a:t>    </a:t>
+            </a:r>
+            <a:r>
+              <a:rPr b="1">
+                <a:solidFill>
+                  <a:srgbClr val="007020"/>
+                </a:solidFill>
+                <a:latin typeface="Courier"/>
+              </a:rPr>
+              <a:t>return</a:t>
+            </a:r>
+            <a:r>
+              <a:rPr>
+                <a:latin typeface="Courier"/>
+              </a:rPr>
+              <a:t> </a:t>
+            </a:r>
+            <a:r>
+              <a:rPr>
+                <a:solidFill>
+                  <a:srgbClr val="40A070"/>
+                </a:solidFill>
+                <a:latin typeface="Courier"/>
+              </a:rPr>
+              <a:t>0</a:t>
+            </a:r>
+            <a:r>
+              <a:rPr>
+                <a:solidFill>
+                  <a:srgbClr val="666666"/>
+                </a:solidFill>
+                <a:latin typeface="Courier"/>
+              </a:rPr>
+              <a:t>;</a:t>
+            </a:r>
+            <a:br/>
+            <a:r>
+              <a:rPr>
+                <a:solidFill>
+                  <a:srgbClr val="666666"/>
+                </a:solidFill>
+                <a:latin typeface="Courier"/>
+              </a:rPr>
+              <a:t>}</a:t>
+            </a:r>
+          </a:p>
+          <a:p>
+            <a:pPr lvl="0" indent="0" marL="0">
+              <a:buNone/>
+            </a:pPr>
+            <a:r>
+              <a:rPr/>
+              <a:t>Well, inline code like </a:t>
+            </a:r>
+            <a:r>
+              <a:rPr>
+                <a:latin typeface="Courier"/>
+              </a:rPr>
+              <a:t>int main()</a:t>
+            </a:r>
+            <a:r>
+              <a:rPr/>
+              <a:t> works too :) Also with syntax highlighting like </a:t>
+            </a:r>
+            <a:r>
+              <a:rPr>
+                <a:latin typeface="Courier"/>
+              </a:rPr>
+              <a:t>int main()</a:t>
+            </a:r>
+            <a:r>
+              <a:rPr/>
+              <a:t> …</a:t>
+            </a:r>
+          </a:p>
+        </p:txBody>
+      </p:sp>
+    </p:spTree>
+  </p:cSld>
+</p:sld>
+</file>
+
+<file path=ppt/slides/slide16.xml><?xml version="1.0" encoding="utf-8"?>
+<p:sld xmlns:a="http://schemas.openxmlformats.org/drawingml/2006/main" xmlns:r="http://schemas.openxmlformats.org/officeDocument/2006/relationships" xmlns:p="http://schemas.openxmlformats.org/presentationml/2006/main">
+  <p:cSld>
+    <p:spTree>
+      <p:nvGrpSpPr>
+        <p:cNvPr id="1" name=""/>
+        <p:cNvGrpSpPr/>
+        <p:nvPr/>
+      </p:nvGrpSpPr>
+      <p:grpSpPr>
+        <a:xfrm>
+          <a:off x="0" y="0"/>
+          <a:ext cx="0" cy="0"/>
+          <a:chOff x="0" y="0"/>
+          <a:chExt cx="0" cy="0"/>
+        </a:xfrm>
+      </p:grpSpPr>
+      <p:sp>
+        <p:nvSpPr>
+          <p:cNvPr id="2" name="Title 1"/>
+          <p:cNvSpPr>
+            <a:spLocks noGrp="1"/>
+          </p:cNvSpPr>
+          <p:nvPr>
+            <p:ph type="title"/>
+          </p:nvPr>
+        </p:nvSpPr>
+        <p:spPr/>
+        <p:txBody>
+          <a:bodyPr/>
+          <a:lstStyle/>
+          <a:p>
+            <a:pPr lvl="0" indent="0" marL="0">
+              <a:buNone/>
+            </a:pPr>
+            <a:r>
+              <a:rPr/>
+              <a:t>Code-Block</a:t>
+            </a:r>
+          </a:p>
+        </p:txBody>
+      </p:sp>
+      <p:sp>
+        <p:nvSpPr>
+          <p:cNvPr id="3" name="Content Placeholder 2"/>
+          <p:cNvSpPr>
+            <a:spLocks noGrp="1"/>
+          </p:cNvSpPr>
+          <p:nvPr>
+            <p:ph idx="1"/>
+          </p:nvPr>
+        </p:nvSpPr>
+        <p:spPr/>
+        <p:txBody>
+          <a:bodyPr/>
+          <a:lstStyle/>
+          <a:p>
+            <a:pPr lvl="0" indent="0">
+              <a:buNone/>
+            </a:pPr>
+            <a:r>
+              <a:rPr>
+                <a:latin typeface="Courier"/>
+              </a:rPr>
+              <a:t>print(</a:t>
+            </a:r>
+            <a:r>
+              <a:rPr>
+                <a:solidFill>
+                  <a:srgbClr val="4070A0"/>
+                </a:solidFill>
+                <a:latin typeface="Courier"/>
+              </a:rPr>
+              <a:t>"hello"</a:t>
+            </a:r>
+            <a:r>
+              <a:rPr>
+                <a:latin typeface="Courier"/>
+              </a:rPr>
+              <a:t>)</a:t>
+            </a:r>
+          </a:p>
+          <a:p>
+            <a:pPr lvl="0" indent="0">
+              <a:buNone/>
+            </a:pPr>
+            <a:r>
+              <a:rPr>
+                <a:latin typeface="Courier"/>
+              </a:rPr>
+              <a:t>hello</a:t>
+            </a:r>
+          </a:p>
+          <a:p>
+            <a:pPr lvl="0" indent="0">
+              <a:buNone/>
+            </a:pPr>
+            <a:r>
+              <a:rPr i="1">
+                <a:solidFill>
+                  <a:srgbClr val="60A0B0"/>
+                </a:solidFill>
+                <a:latin typeface="Courier"/>
+              </a:rPr>
+              <a:t>/*</a:t>
+            </a:r>
+            <a:br/>
+            <a:r>
+              <a:rPr i="1">
+                <a:solidFill>
+                  <a:srgbClr val="60A0B0"/>
+                </a:solidFill>
+                <a:latin typeface="Courier"/>
+              </a:rPr>
+              <a:t> * cHelloWorld.c</a:t>
+            </a:r>
+            <a:br/>
+            <a:r>
+              <a:rPr i="1">
+                <a:solidFill>
+                  <a:srgbClr val="60A0B0"/>
+                </a:solidFill>
+                <a:latin typeface="Courier"/>
+              </a:rPr>
+              <a:t> *</a:t>
+            </a:r>
+            <a:br/>
+            <a:r>
+              <a:rPr i="1">
+                <a:solidFill>
+                  <a:srgbClr val="60A0B0"/>
+                </a:solidFill>
+                <a:latin typeface="Courier"/>
+              </a:rPr>
+              <a:t> */</a:t>
+            </a:r>
+            <a:br/>
+            <a:r>
+              <a:rPr>
+                <a:solidFill>
+                  <a:srgbClr val="BC7A00"/>
+                </a:solidFill>
+                <a:latin typeface="Courier"/>
+              </a:rPr>
+              <a:t>#include </a:t>
+            </a:r>
+            <a:r>
+              <a:rPr>
+                <a:latin typeface="Courier"/>
+              </a:rPr>
+              <a:t>&lt;stdio.h&gt;</a:t>
+            </a:r>
+            <a:br/>
+            <a:br/>
+            <a:r>
+              <a:rPr>
+                <a:solidFill>
+                  <a:srgbClr val="902000"/>
+                </a:solidFill>
+                <a:latin typeface="Courier"/>
+              </a:rPr>
+              <a:t>int</a:t>
+            </a:r>
+            <a:r>
+              <a:rPr>
+                <a:latin typeface="Courier"/>
+              </a:rPr>
+              <a:t> main</a:t>
+            </a:r>
+            <a:r>
+              <a:rPr>
+                <a:solidFill>
+                  <a:srgbClr val="666666"/>
+                </a:solidFill>
+                <a:latin typeface="Courier"/>
+              </a:rPr>
+              <a:t>()</a:t>
+            </a:r>
+            <a:r>
+              <a:rPr>
+                <a:latin typeface="Courier"/>
+              </a:rPr>
+              <a:t> </a:t>
+            </a:r>
+            <a:r>
+              <a:rPr>
+                <a:solidFill>
+                  <a:srgbClr val="666666"/>
+                </a:solidFill>
+                <a:latin typeface="Courier"/>
+              </a:rPr>
+              <a:t>{</a:t>
+            </a:r>
+            <a:br/>
+            <a:r>
+              <a:rPr>
+                <a:latin typeface="Courier"/>
+              </a:rPr>
+              <a:t>    printf</a:t>
+            </a:r>
+            <a:r>
+              <a:rPr>
+                <a:solidFill>
+                  <a:srgbClr val="666666"/>
+                </a:solidFill>
+                <a:latin typeface="Courier"/>
+              </a:rPr>
+              <a:t>(</a:t>
+            </a:r>
+            <a:r>
+              <a:rPr>
+                <a:solidFill>
+                  <a:srgbClr val="4070A0"/>
+                </a:solidFill>
+                <a:latin typeface="Courier"/>
+              </a:rPr>
+              <a:t>"Hello World from C  :-)\n"</a:t>
+            </a:r>
+            <a:r>
+              <a:rPr>
+                <a:solidFill>
+                  <a:srgbClr val="666666"/>
+                </a:solidFill>
+                <a:latin typeface="Courier"/>
+              </a:rPr>
+              <a:t>);</a:t>
+            </a:r>
+            <a:br/>
+            <a:r>
+              <a:rPr>
+                <a:latin typeface="Courier"/>
+              </a:rPr>
+              <a:t>    </a:t>
+            </a:r>
+            <a:r>
+              <a:rPr b="1">
+                <a:solidFill>
+                  <a:srgbClr val="007020"/>
+                </a:solidFill>
+                <a:latin typeface="Courier"/>
+              </a:rPr>
+              <a:t>return</a:t>
+            </a:r>
+            <a:r>
+              <a:rPr>
+                <a:latin typeface="Courier"/>
+              </a:rPr>
+              <a:t> </a:t>
+            </a:r>
+            <a:r>
+              <a:rPr>
+                <a:solidFill>
+                  <a:srgbClr val="40A070"/>
+                </a:solidFill>
+                <a:latin typeface="Courier"/>
+              </a:rPr>
+              <a:t>0</a:t>
+            </a:r>
+            <a:r>
+              <a:rPr>
+                <a:solidFill>
+                  <a:srgbClr val="666666"/>
+                </a:solidFill>
+                <a:latin typeface="Courier"/>
+              </a:rPr>
+              <a:t>;</a:t>
+            </a:r>
+            <a:br/>
+            <a:r>
+              <a:rPr>
+                <a:solidFill>
+                  <a:srgbClr val="666666"/>
+                </a:solidFill>
+                <a:latin typeface="Courier"/>
+              </a:rPr>
+              <a:t>}</a:t>
+            </a:r>
+          </a:p>
+        </p:txBody>
+      </p:sp>
+    </p:spTree>
+  </p:cSld>
+</p:sld>
+</file>
+
+<file path=ppt/slides/slide17.xml><?xml version="1.0" encoding="utf-8"?>
+<p:sld xmlns:a="http://schemas.openxmlformats.org/drawingml/2006/main" xmlns:r="http://schemas.openxmlformats.org/officeDocument/2006/relationships" xmlns:p="http://schemas.openxmlformats.org/presentationml/2006/main">
+  <p:cSld>
+    <p:spTree>
+      <p:nvGrpSpPr>
+        <p:cNvPr id="1" name=""/>
+        <p:cNvGrpSpPr/>
+        <p:nvPr/>
+      </p:nvGrpSpPr>
+      <p:grpSpPr>
+        <a:xfrm>
+          <a:off x="0" y="0"/>
+          <a:ext cx="0" cy="0"/>
+          <a:chOff x="0" y="0"/>
+          <a:chExt cx="0" cy="0"/>
+        </a:xfrm>
+      </p:grpSpPr>
+      <p:sp>
+        <p:nvSpPr>
+          <p:cNvPr id="2" name="Title 1"/>
+          <p:cNvSpPr>
+            <a:spLocks noGrp="1"/>
+          </p:cNvSpPr>
+          <p:nvPr>
+            <p:ph type="title"/>
+          </p:nvPr>
+        </p:nvSpPr>
+        <p:spPr/>
+        <p:txBody>
+          <a:bodyPr/>
+          <a:lstStyle/>
+          <a:p>
+            <a:pPr lvl="0" indent="0" marL="0">
+              <a:buNone/>
+            </a:pPr>
+            <a:r>
+              <a:rPr/>
               <a:t>Tabellen</a:t>
             </a:r>
           </a:p>
@@ -4014,8 +4210,8 @@
           </p:nvPr>
         </p:nvGraphicFramePr>
         <p:xfrm>
-          <a:off x="457200" y="1600200"/>
-          <a:ext cx="8229600" cy="4521200"/>
+          <a:off x="457200" y="1193800"/>
+          <a:ext cx="8229600" cy="3390900"/>
         </p:xfrm>
         <a:graphic>
           <a:graphicData uri="http://schemas.openxmlformats.org/drawingml/2006/table">
@@ -4714,7 +4910,7 @@
 </p:sld>
 </file>
 
-<file path=ppt/slides/slide16.xml><?xml version="1.0" encoding="utf-8"?>
+<file path=ppt/slides/slide18.xml><?xml version="1.0" encoding="utf-8"?>
 <p:sld xmlns:a="http://schemas.openxmlformats.org/drawingml/2006/main" xmlns:r="http://schemas.openxmlformats.org/officeDocument/2006/relationships" xmlns:p="http://schemas.openxmlformats.org/presentationml/2006/main">
   <p:cSld>
     <p:spTree>
@@ -4907,7 +5103,7 @@
         </p:blipFill>
         <p:spPr bwMode="auto">
           <a:xfrm>
-            <a:off x="4648200" y="2413000"/>
+            <a:off x="4648200" y="1447800"/>
             <a:ext cx="4038600" cy="2895600"/>
           </a:xfrm>
           <a:prstGeom prst="rect">
@@ -4921,6 +5117,96 @@
           </a:ln>
         </p:spPr>
       </p:pic>
+    </p:spTree>
+  </p:cSld>
+</p:sld>
+</file>
+
+<file path=ppt/slides/slide19.xml><?xml version="1.0" encoding="utf-8"?>
+<p:sld xmlns:a="http://schemas.openxmlformats.org/drawingml/2006/main" xmlns:r="http://schemas.openxmlformats.org/officeDocument/2006/relationships" xmlns:p="http://schemas.openxmlformats.org/presentationml/2006/main">
+  <p:cSld>
+    <p:spTree>
+      <p:nvGrpSpPr>
+        <p:cNvPr id="1" name=""/>
+        <p:cNvGrpSpPr/>
+        <p:nvPr/>
+      </p:nvGrpSpPr>
+      <p:grpSpPr>
+        <a:xfrm>
+          <a:off x="0" y="0"/>
+          <a:ext cx="0" cy="0"/>
+          <a:chOff x="0" y="0"/>
+          <a:chExt cx="0" cy="0"/>
+        </a:xfrm>
+      </p:grpSpPr>
+      <p:sp>
+        <p:nvSpPr>
+          <p:cNvPr id="2" name="Title 1"/>
+          <p:cNvSpPr>
+            <a:spLocks noGrp="1"/>
+          </p:cNvSpPr>
+          <p:nvPr>
+            <p:ph type="title"/>
+          </p:nvPr>
+        </p:nvSpPr>
+        <p:spPr/>
+        <p:txBody>
+          <a:bodyPr/>
+          <a:lstStyle/>
+          <a:p>
+            <a:pPr lvl="0" indent="0" marL="0">
+              <a:buNone/>
+            </a:pPr>
+            <a:r>
+              <a:rPr/>
+              <a:t>Quellen</a:t>
+            </a:r>
+          </a:p>
+        </p:txBody>
+      </p:sp>
+      <p:sp>
+        <p:nvSpPr>
+          <p:cNvPr id="3" name="Content Placeholder 2"/>
+          <p:cNvSpPr>
+            <a:spLocks noGrp="1"/>
+          </p:cNvSpPr>
+          <p:nvPr>
+            <p:ph idx="1"/>
+          </p:nvPr>
+        </p:nvSpPr>
+        <p:spPr/>
+        <p:txBody>
+          <a:bodyPr/>
+          <a:lstStyle/>
+          <a:p>
+            <a:pPr lvl="0" indent="0" marL="0">
+              <a:buNone/>
+            </a:pPr>
+            <a:r>
+              <a:rPr/>
+              <a:t>Ertel, W. 2017. </a:t>
+            </a:r>
+            <a:r>
+              <a:rPr i="1"/>
+              <a:t>Introduction to artificial intelligence</a:t>
+            </a:r>
+            <a:r>
+              <a:rPr/>
+              <a:t>. 2nd edition. Springer. </a:t>
+            </a:r>
+            <a:r>
+              <a:rPr>
+                <a:hlinkClick r:id="rId2"/>
+              </a:rPr>
+              <a:t>https://doi.org/10.1007/978-3-319-58487-4</a:t>
+            </a:r>
+            <a:r>
+              <a:rPr/>
+              <a:t>.</a:t>
+            </a:r>
+          </a:p>
+        </p:txBody>
+      </p:sp>
     </p:spTree>
   </p:cSld>
 </p:sld>
@@ -4963,7 +5249,7 @@
             </a:pPr>
             <a:r>
               <a:rPr/>
-              <a:t>BlueArrow</a:t>
+              <a:t>Table of Contents</a:t>
             </a:r>
           </a:p>
         </p:txBody>
@@ -4983,12 +5269,138 @@
           <a:bodyPr/>
           <a:lstStyle/>
           <a:p>
-            <a:pPr lvl="0" indent="0" marL="0">
-              <a:buNone/>
-            </a:pPr>
-            <a:r>
-              <a:rPr/>
-              <a:t>Lorem Ipsum.</a:t>
+            <a:pPr lvl="0"/>
+            <a:r>
+              <a:rPr>
+                <a:hlinkClick r:id="rId2" action="ppaction://hlinksldjump"/>
+              </a:rPr>
+              <a:t>BlueArrow</a:t>
+            </a:r>
+          </a:p>
+          <a:p>
+            <a:pPr lvl="0"/>
+            <a:r>
+              <a:rPr>
+                <a:hlinkClick r:id="rId3" action="ppaction://hlinksldjump"/>
+              </a:rPr>
+              <a:t>Literatur</a:t>
+            </a:r>
+          </a:p>
+          <a:p>
+            <a:pPr lvl="0"/>
+            <a:r>
+              <a:rPr>
+                <a:hlinkClick r:id="rId4" action="ppaction://hlinksldjump"/>
+              </a:rPr>
+              <a:t>Math</a:t>
+            </a:r>
+          </a:p>
+          <a:p>
+            <a:pPr lvl="0"/>
+            <a:r>
+              <a:rPr>
+                <a:hlinkClick r:id="rId5" action="ppaction://hlinksldjump"/>
+              </a:rPr>
+              <a:t>Images</a:t>
+            </a:r>
+          </a:p>
+          <a:p>
+            <a:pPr lvl="0"/>
+            <a:r>
+              <a:rPr>
+                <a:hlinkClick r:id="rId6" action="ppaction://hlinksldjump"/>
+              </a:rPr>
+              <a:t>Stichpunkte</a:t>
+            </a:r>
+          </a:p>
+          <a:p>
+            <a:pPr lvl="0"/>
+            <a:r>
+              <a:rPr>
+                <a:hlinkClick r:id="rId7" action="ppaction://hlinksldjump"/>
+              </a:rPr>
+              <a:t>Hervorhebungen</a:t>
+            </a:r>
+          </a:p>
+          <a:p>
+            <a:pPr lvl="0"/>
+            <a:r>
+              <a:rPr>
+                <a:hlinkClick r:id="rId8" action="ppaction://hlinksldjump"/>
+              </a:rPr>
+              <a:t>Quotes</a:t>
+            </a:r>
+          </a:p>
+          <a:p>
+            <a:pPr lvl="0"/>
+            <a:r>
+              <a:rPr>
+                <a:hlinkClick r:id="rId9" action="ppaction://hlinksldjump"/>
+              </a:rPr>
+              <a:t>Lokale Abbildungen</a:t>
+            </a:r>
+          </a:p>
+          <a:p>
+            <a:pPr lvl="0"/>
+            <a:r>
+              <a:rPr>
+                <a:hlinkClick r:id="rId10" action="ppaction://hlinksldjump"/>
+              </a:rPr>
+              <a:t>Abbildungen im Web</a:t>
+            </a:r>
+          </a:p>
+          <a:p>
+            <a:pPr lvl="0"/>
+            <a:r>
+              <a:rPr>
+                <a:hlinkClick r:id="rId11" action="ppaction://hlinksldjump"/>
+              </a:rPr>
+              <a:t>Skalierte Abbildungen</a:t>
+            </a:r>
+          </a:p>
+          <a:p>
+            <a:pPr lvl="0"/>
+            <a:r>
+              <a:rPr>
+                <a:hlinkClick r:id="rId12" action="ppaction://hlinksldjump"/>
+              </a:rPr>
+              <a:t>Code und Syntax-Highlighting</a:t>
+            </a:r>
+          </a:p>
+          <a:p>
+            <a:pPr lvl="0"/>
+            <a:r>
+              <a:rPr>
+                <a:hlinkClick r:id="rId13" action="ppaction://hlinksldjump"/>
+              </a:rPr>
+              <a:t>Code-Block</a:t>
+            </a:r>
+          </a:p>
+          <a:p>
+            <a:pPr lvl="0"/>
+            <a:r>
+              <a:rPr>
+                <a:hlinkClick r:id="rId14" action="ppaction://hlinksldjump"/>
+              </a:rPr>
+              <a:t>Tabellen</a:t>
+            </a:r>
+          </a:p>
+          <a:p>
+            <a:pPr lvl="0"/>
+            <a:r>
+              <a:rPr>
+                <a:hlinkClick r:id="rId15" action="ppaction://hlinksldjump"/>
+              </a:rPr>
+              <a:t>Columns</a:t>
+            </a:r>
+          </a:p>
+          <a:p>
+            <a:pPr lvl="0"/>
+            <a:r>
+              <a:rPr>
+                <a:hlinkClick r:id="rId16" action="ppaction://hlinksldjump"/>
+              </a:rPr>
+              <a:t>Quellen</a:t>
             </a:r>
           </a:p>
         </p:txBody>
@@ -4999,6 +5411,150 @@
 </file>
 
 <file path=ppt/slides/slide3.xml><?xml version="1.0" encoding="utf-8"?>
+<p:sld xmlns:a="http://schemas.openxmlformats.org/drawingml/2006/main" xmlns:r="http://schemas.openxmlformats.org/officeDocument/2006/relationships" xmlns:p="http://schemas.openxmlformats.org/presentationml/2006/main">
+  <p:cSld>
+    <p:spTree>
+      <p:nvGrpSpPr>
+        <p:cNvPr id="1" name=""/>
+        <p:cNvGrpSpPr/>
+        <p:nvPr/>
+      </p:nvGrpSpPr>
+      <p:grpSpPr>
+        <a:xfrm>
+          <a:off x="0" y="0"/>
+          <a:ext cx="0" cy="0"/>
+          <a:chOff x="0" y="0"/>
+          <a:chExt cx="0" cy="0"/>
+        </a:xfrm>
+      </p:grpSpPr>
+      <p:sp>
+        <p:nvSpPr>
+          <p:cNvPr id="2" name="Title 1"/>
+          <p:cNvSpPr>
+            <a:spLocks noGrp="1"/>
+          </p:cNvSpPr>
+          <p:nvPr>
+            <p:ph type="title"/>
+          </p:nvPr>
+        </p:nvSpPr>
+        <p:spPr/>
+        <p:txBody>
+          <a:bodyPr/>
+          <a:lstStyle/>
+          <a:p>
+            <a:pPr lvl="0" indent="0" marL="0">
+              <a:buNone/>
+            </a:pPr>
+            <a:r>
+              <a:rPr/>
+              <a:t>BlueArrow</a:t>
+            </a:r>
+          </a:p>
+        </p:txBody>
+      </p:sp>
+      <p:sp>
+        <p:nvSpPr>
+          <p:cNvPr id="3" name="Content Placeholder 2"/>
+          <p:cNvSpPr>
+            <a:spLocks noGrp="1"/>
+          </p:cNvSpPr>
+          <p:nvPr>
+            <p:ph idx="1"/>
+          </p:nvPr>
+        </p:nvSpPr>
+        <p:spPr/>
+        <p:txBody>
+          <a:bodyPr/>
+          <a:lstStyle/>
+          <a:p>
+            <a:pPr lvl="0" indent="0" marL="0">
+              <a:buNone/>
+            </a:pPr>
+            <a:r>
+              <a:rPr/>
+              <a:t>Lorem Ipsum.</a:t>
+            </a:r>
+          </a:p>
+        </p:txBody>
+      </p:sp>
+    </p:spTree>
+  </p:cSld>
+</p:sld>
+</file>
+
+<file path=ppt/slides/slide4.xml><?xml version="1.0" encoding="utf-8"?>
+<p:sld xmlns:a="http://schemas.openxmlformats.org/drawingml/2006/main" xmlns:r="http://schemas.openxmlformats.org/officeDocument/2006/relationships" xmlns:p="http://schemas.openxmlformats.org/presentationml/2006/main">
+  <p:cSld>
+    <p:spTree>
+      <p:nvGrpSpPr>
+        <p:cNvPr id="1" name=""/>
+        <p:cNvGrpSpPr/>
+        <p:nvPr/>
+      </p:nvGrpSpPr>
+      <p:grpSpPr>
+        <a:xfrm>
+          <a:off x="0" y="0"/>
+          <a:ext cx="0" cy="0"/>
+          <a:chOff x="0" y="0"/>
+          <a:chExt cx="0" cy="0"/>
+        </a:xfrm>
+      </p:grpSpPr>
+      <p:sp>
+        <p:nvSpPr>
+          <p:cNvPr id="2" name="Title 1"/>
+          <p:cNvSpPr>
+            <a:spLocks noGrp="1"/>
+          </p:cNvSpPr>
+          <p:nvPr>
+            <p:ph type="title"/>
+          </p:nvPr>
+        </p:nvSpPr>
+        <p:spPr/>
+        <p:txBody>
+          <a:bodyPr/>
+          <a:lstStyle/>
+          <a:p>
+            <a:pPr lvl="0" indent="0" marL="0">
+              <a:buNone/>
+            </a:pPr>
+            <a:r>
+              <a:rPr/>
+              <a:t>Literatur</a:t>
+            </a:r>
+          </a:p>
+        </p:txBody>
+      </p:sp>
+      <p:sp>
+        <p:nvSpPr>
+          <p:cNvPr id="3" name="Content Placeholder 2"/>
+          <p:cNvSpPr>
+            <a:spLocks noGrp="1"/>
+          </p:cNvSpPr>
+          <p:nvPr>
+            <p:ph idx="1"/>
+          </p:nvPr>
+        </p:nvSpPr>
+        <p:spPr/>
+        <p:txBody>
+          <a:bodyPr/>
+          <a:lstStyle/>
+          <a:p>
+            <a:pPr lvl="0" indent="0" marL="0">
+              <a:buNone/>
+            </a:pPr>
+            <a:r>
+              <a:rPr/>
+              <a:t>Wir nutzen (Ertel 2017) als Hauptliteratur.</a:t>
+            </a:r>
+          </a:p>
+        </p:txBody>
+      </p:sp>
+    </p:spTree>
+  </p:cSld>
+</p:sld>
+</file>
+
+<file path=ppt/slides/slide5.xml><?xml version="1.0" encoding="utf-8"?>
 <p:sld xmlns:a="http://schemas.openxmlformats.org/drawingml/2006/main" xmlns:r="http://schemas.openxmlformats.org/officeDocument/2006/relationships" xmlns:p="http://schemas.openxmlformats.org/presentationml/2006/main">
   <p:cSld>
     <p:spTree>
@@ -5909,7 +6465,7 @@
                 </a:r>
               </a:p>
               <a:p>
-                <a:pPr lvl="1" indent="0" marL="457200">
+                <a:pPr lvl="1" indent="0" marL="342900">
                   <a:buNone/>
                 </a:pPr>
                 <a14:m>
@@ -6957,256 +7513,6 @@
 </p:sld>
 </file>
 
-<file path=ppt/slides/slide4.xml><?xml version="1.0" encoding="utf-8"?>
-<p:sld xmlns:a="http://schemas.openxmlformats.org/drawingml/2006/main" xmlns:r="http://schemas.openxmlformats.org/officeDocument/2006/relationships" xmlns:p="http://schemas.openxmlformats.org/presentationml/2006/main">
-  <p:cSld>
-    <p:spTree>
-      <p:nvGrpSpPr>
-        <p:cNvPr id="1" name=""/>
-        <p:cNvGrpSpPr/>
-        <p:nvPr/>
-      </p:nvGrpSpPr>
-      <p:grpSpPr>
-        <a:xfrm>
-          <a:off x="0" y="0"/>
-          <a:ext cx="0" cy="0"/>
-          <a:chOff x="0" y="0"/>
-          <a:chExt cx="0" cy="0"/>
-        </a:xfrm>
-      </p:grpSpPr>
-      <p:sp>
-        <p:nvSpPr>
-          <p:cNvPr id="2" name="Title 1"/>
-          <p:cNvSpPr>
-            <a:spLocks noGrp="1"/>
-          </p:cNvSpPr>
-          <p:nvPr>
-            <p:ph type="title"/>
-          </p:nvPr>
-        </p:nvSpPr>
-        <p:spPr/>
-        <p:txBody>
-          <a:bodyPr/>
-          <a:lstStyle/>
-          <a:p>
-            <a:pPr lvl="0" indent="0" marL="0">
-              <a:buNone/>
-            </a:pPr>
-            <a:r>
-              <a:rPr/>
-              <a:t>Images</a:t>
-            </a:r>
-          </a:p>
-        </p:txBody>
-      </p:sp>
-      <p:pic>
-        <p:nvPicPr>
-          <p:cNvPr descr="fig:  images/somefig.png" id="0" name="Picture 1"/>
-          <p:cNvPicPr>
-            <a:picLocks noGrp="1" noChangeAspect="1"/>
-          </p:cNvPicPr>
-          <p:nvPr/>
-        </p:nvPicPr>
-        <p:blipFill>
-          <a:blip r:embed="rId2"/>
-          <a:stretch>
-            <a:fillRect/>
-          </a:stretch>
-        </p:blipFill>
-        <p:spPr bwMode="auto">
-          <a:xfrm>
-            <a:off x="1778000" y="1600200"/>
-            <a:ext cx="5600700" cy="4013200"/>
-          </a:xfrm>
-          <a:prstGeom prst="rect">
-            <a:avLst/>
-          </a:prstGeom>
-          <a:noFill/>
-          <a:ln w="9525">
-            <a:noFill/>
-            <a:headEnd/>
-            <a:tailEnd/>
-          </a:ln>
-        </p:spPr>
-      </p:pic>
-      <p:sp>
-        <p:nvSpPr>
-          <p:cNvPr id="1" name="TextBox 3"/>
-          <p:cNvSpPr txBox="1"/>
-          <p:nvPr/>
-        </p:nvSpPr>
-        <p:spPr>
-          <a:xfrm>
-            <a:off x="457200" y="5613400"/>
-            <a:ext cx="8229600" cy="508000"/>
-          </a:xfrm>
-          <a:prstGeom prst="rect">
-            <a:avLst/>
-          </a:prstGeom>
-          <a:noFill/>
-        </p:spPr>
-        <p:txBody>
-          <a:bodyPr/>
-          <a:lstStyle/>
-          <a:p>
-            <a:pPr lvl="0" indent="0" marL="0" algn="ctr">
-              <a:buNone/>
-            </a:pPr>
-            <a:r>
-              <a:rPr/>
-              <a:t>Sky</a:t>
-            </a:r>
-          </a:p>
-        </p:txBody>
-      </p:sp>
-    </p:spTree>
-  </p:cSld>
-</p:sld>
-</file>
-
-<file path=ppt/slides/slide5.xml><?xml version="1.0" encoding="utf-8"?>
-<p:sld xmlns:a="http://schemas.openxmlformats.org/drawingml/2006/main" xmlns:r="http://schemas.openxmlformats.org/officeDocument/2006/relationships" xmlns:p="http://schemas.openxmlformats.org/presentationml/2006/main">
-  <p:cSld>
-    <p:spTree>
-      <p:nvGrpSpPr>
-        <p:cNvPr id="1" name=""/>
-        <p:cNvGrpSpPr/>
-        <p:nvPr/>
-      </p:nvGrpSpPr>
-      <p:grpSpPr>
-        <a:xfrm>
-          <a:off x="0" y="0"/>
-          <a:ext cx="0" cy="0"/>
-          <a:chOff x="0" y="0"/>
-          <a:chExt cx="0" cy="0"/>
-        </a:xfrm>
-      </p:grpSpPr>
-      <p:sp>
-        <p:nvSpPr>
-          <p:cNvPr id="2" name="Title 1"/>
-          <p:cNvSpPr>
-            <a:spLocks noGrp="1"/>
-          </p:cNvSpPr>
-          <p:nvPr>
-            <p:ph type="title"/>
-          </p:nvPr>
-        </p:nvSpPr>
-        <p:spPr/>
-        <p:txBody>
-          <a:bodyPr/>
-          <a:lstStyle/>
-          <a:p>
-            <a:pPr lvl="0" indent="0" marL="0">
-              <a:buNone/>
-            </a:pPr>
-            <a:r>
-              <a:rPr/>
-              <a:t>Stichpunkte</a:t>
-            </a:r>
-          </a:p>
-        </p:txBody>
-      </p:sp>
-      <p:sp>
-        <p:nvSpPr>
-          <p:cNvPr id="3" name="Content Placeholder 2"/>
-          <p:cNvSpPr>
-            <a:spLocks noGrp="1"/>
-          </p:cNvSpPr>
-          <p:nvPr>
-            <p:ph idx="1"/>
-          </p:nvPr>
-        </p:nvSpPr>
-        <p:spPr/>
-        <p:txBody>
-          <a:bodyPr/>
-          <a:lstStyle/>
-          <a:p>
-            <a:pPr lvl="0"/>
-            <a:r>
-              <a:rPr/>
-              <a:t>Lorem ipsum dolor sit amet, consetetur sadipscing elitr,</a:t>
-            </a:r>
-          </a:p>
-          <a:p>
-            <a:pPr lvl="1"/>
-            <a:r>
-              <a:rPr/>
-              <a:t>Lorem ipsum dolor sit amet, consetetur sadipscing elitr,</a:t>
-            </a:r>
-          </a:p>
-          <a:p>
-            <a:pPr lvl="1"/>
-            <a:r>
-              <a:rPr/>
-              <a:t>Lorem ipsum dolor sit amet, consetetur sadipscing elitr,</a:t>
-            </a:r>
-          </a:p>
-          <a:p>
-            <a:pPr lvl="0"/>
-            <a:r>
-              <a:rPr/>
-              <a:t>sed diam nonumy eirmod tempor invidunt ut labore et dolore …</a:t>
-            </a:r>
-          </a:p>
-          <a:p>
-            <a:pPr lvl="1" indent="-457200" marL="914400">
-              <a:buAutoNum type="alphaLcParenR"/>
-            </a:pPr>
-            <a:r>
-              <a:rPr/>
-              <a:t>sed diam nonumy eirmod tempor invidunt ut labore et dolore …</a:t>
-            </a:r>
-          </a:p>
-          <a:p>
-            <a:pPr lvl="1" indent="-457200" marL="914400">
-              <a:buAutoNum type="alphaLcParenR"/>
-            </a:pPr>
-            <a:r>
-              <a:rPr/>
-              <a:t>sed diam nonumy eirmod tempor invidunt ut labore et dolore …</a:t>
-            </a:r>
-          </a:p>
-          <a:p>
-            <a:pPr lvl="0"/>
-            <a:r>
-              <a:rPr/>
-              <a:t>magna aliquyam erat, sed diam voluptua.</a:t>
-            </a:r>
-          </a:p>
-          <a:p>
-            <a:pPr lvl="1" indent="-457200" marL="914400">
-              <a:buAutoNum type="arabicPeriod"/>
-            </a:pPr>
-            <a:r>
-              <a:rPr/>
-              <a:t>magna aliquyam erat, sed diam voluptua.</a:t>
-            </a:r>
-          </a:p>
-          <a:p>
-            <a:pPr lvl="1" indent="-457200" marL="914400">
-              <a:buAutoNum type="arabicPeriod"/>
-            </a:pPr>
-            <a:r>
-              <a:rPr/>
-              <a:t>magna aliquyam erat, sed diam voluptua.</a:t>
-            </a:r>
-          </a:p>
-          <a:p>
-            <a:pPr lvl="0" indent="0" marL="0">
-              <a:buNone/>
-            </a:pPr>
-            <a:r>
-              <a:rPr/>
-              <a:t>Nummerierte Aufzählungen funktionieren scheinbar nur mit 1., 2., …</a:t>
-            </a:r>
-          </a:p>
-        </p:txBody>
-      </p:sp>
-    </p:spTree>
-  </p:cSld>
-</p:sld>
-</file>
-
 <file path=ppt/slides/slide6.xml><?xml version="1.0" encoding="utf-8"?>
 <p:sld xmlns:a="http://schemas.openxmlformats.org/drawingml/2006/main" xmlns:r="http://schemas.openxmlformats.org/officeDocument/2006/relationships" xmlns:p="http://schemas.openxmlformats.org/presentationml/2006/main">
   <p:cSld>
@@ -7244,73 +7550,67 @@
             </a:pPr>
             <a:r>
               <a:rPr/>
-              <a:t>Hervorhebungen</a:t>
-            </a:r>
-          </a:p>
-        </p:txBody>
-      </p:sp>
-      <p:sp>
-        <p:nvSpPr>
-          <p:cNvPr id="3" name="Content Placeholder 2"/>
-          <p:cNvSpPr>
-            <a:spLocks noGrp="1"/>
-          </p:cNvSpPr>
-          <p:nvPr>
-            <p:ph idx="1"/>
-          </p:nvPr>
-        </p:nvSpPr>
-        <p:spPr/>
+              <a:t>Images</a:t>
+            </a:r>
+          </a:p>
+        </p:txBody>
+      </p:sp>
+      <p:pic>
+        <p:nvPicPr>
+          <p:cNvPr descr="fig:  images/somefig.png" id="0" name="Picture 1"/>
+          <p:cNvPicPr>
+            <a:picLocks noGrp="1" noChangeAspect="1"/>
+          </p:cNvPicPr>
+          <p:nvPr/>
+        </p:nvPicPr>
+        <p:blipFill>
+          <a:blip r:embed="rId2"/>
+          <a:stretch>
+            <a:fillRect/>
+          </a:stretch>
+        </p:blipFill>
+        <p:spPr bwMode="auto">
+          <a:xfrm>
+            <a:off x="2565400" y="1193800"/>
+            <a:ext cx="4025900" cy="2882900"/>
+          </a:xfrm>
+          <a:prstGeom prst="rect">
+            <a:avLst/>
+          </a:prstGeom>
+          <a:noFill/>
+          <a:ln w="9525">
+            <a:noFill/>
+            <a:headEnd/>
+            <a:tailEnd/>
+          </a:ln>
+        </p:spPr>
+      </p:pic>
+      <p:sp>
+        <p:nvSpPr>
+          <p:cNvPr id="1" name="TextBox 3"/>
+          <p:cNvSpPr txBox="1"/>
+          <p:nvPr/>
+        </p:nvSpPr>
+        <p:spPr>
+          <a:xfrm>
+            <a:off x="457200" y="4076700"/>
+            <a:ext cx="8229600" cy="508000"/>
+          </a:xfrm>
+          <a:prstGeom prst="rect">
+            <a:avLst/>
+          </a:prstGeom>
+          <a:noFill/>
+        </p:spPr>
         <p:txBody>
           <a:bodyPr/>
           <a:lstStyle/>
           <a:p>
-            <a:pPr lvl="0"/>
+            <a:pPr lvl="0" indent="0" marL="0" algn="ctr">
+              <a:buNone/>
+            </a:pPr>
             <a:r>
               <a:rPr/>
-              <a:t>Use </a:t>
-            </a:r>
-            <a:r>
-              <a:rPr>
-                <a:latin typeface="Courier"/>
-              </a:rPr>
-              <a:t>*italic*</a:t>
-            </a:r>
-            <a:r>
-              <a:rPr/>
-              <a:t> to </a:t>
-            </a:r>
-            <a:r>
-              <a:rPr i="1"/>
-              <a:t>emphasize</a:t>
-            </a:r>
-            <a:r>
-              <a:rPr/>
-              <a:t> in Markdown</a:t>
-            </a:r>
-          </a:p>
-          <a:p>
-            <a:pPr lvl="0"/>
-            <a:r>
-              <a:rPr/>
-              <a:t>Use </a:t>
-            </a:r>
-            <a:r>
-              <a:rPr>
-                <a:latin typeface="Courier"/>
-              </a:rPr>
-              <a:t>**bold**</a:t>
-            </a:r>
-            <a:r>
-              <a:rPr/>
-              <a:t> to </a:t>
-            </a:r>
-            <a:r>
-              <a:rPr b="1"/>
-              <a:t>emphasize</a:t>
-            </a:r>
-            <a:r>
-              <a:rPr/>
-              <a:t> in Markdown</a:t>
+              <a:t>Sky</a:t>
             </a:r>
           </a:p>
         </p:txBody>
@@ -7357,7 +7657,7 @@
             </a:pPr>
             <a:r>
               <a:rPr/>
-              <a:t>Quotes</a:t>
+              <a:t>Stichpunkte</a:t>
             </a:r>
           </a:p>
         </p:txBody>
@@ -7377,21 +7677,83 @@
           <a:bodyPr/>
           <a:lstStyle/>
           <a:p>
-            <a:pPr lvl="0" indent="0" marL="1270000">
-              <a:buNone/>
+            <a:pPr lvl="0"/>
+            <a:r>
+              <a:rPr/>
+              <a:t>Lorem ipsum dolor sit amet, consetetur sadipscing elitr,</a:t>
+            </a:r>
+          </a:p>
+          <a:p>
+            <a:pPr lvl="1"/>
+            <a:r>
+              <a:rPr/>
+              <a:t>Lorem ipsum dolor sit amet, consetetur sadipscing elitr,</a:t>
+            </a:r>
+          </a:p>
+          <a:p>
+            <a:pPr lvl="1"/>
+            <a:r>
+              <a:rPr/>
+              <a:t>Lorem ipsum dolor sit amet, consetetur sadipscing elitr,</a:t>
+            </a:r>
+          </a:p>
+          <a:p>
+            <a:pPr lvl="0"/>
+            <a:r>
+              <a:rPr/>
+              <a:t>sed diam nonumy eirmod tempor invidunt ut labore et dolore …</a:t>
+            </a:r>
+          </a:p>
+          <a:p>
+            <a:pPr lvl="1" indent="-342900" marL="685800">
+              <a:buAutoNum type="alphaLcParenR"/>
             </a:pPr>
             <a:r>
-              <a:rPr sz="2000"/>
-              <a:t>Artificial Intelligence is the study of how to make computers do things at which, at the moment, people are better.</a:t>
-            </a:r>
-          </a:p>
-          <a:p>
-            <a:pPr lvl="0" indent="0" marL="1270000">
-              <a:buNone/>
+              <a:rPr/>
+              <a:t>sed diam nonumy eirmod tempor invidunt ut labore et dolore …</a:t>
+            </a:r>
+          </a:p>
+          <a:p>
+            <a:pPr lvl="1" indent="-342900" marL="685800">
+              <a:buAutoNum type="alphaLcParenR"/>
             </a:pPr>
             <a:r>
-              <a:rPr sz="2000"/>
-              <a:t>– Elaine Rich (“Artificial Intelligence”, McGraw-Hill, 1983)</a:t>
+              <a:rPr/>
+              <a:t>sed diam nonumy eirmod tempor invidunt ut labore et dolore …</a:t>
+            </a:r>
+          </a:p>
+          <a:p>
+            <a:pPr lvl="0"/>
+            <a:r>
+              <a:rPr/>
+              <a:t>magna aliquyam erat, sed diam voluptua.</a:t>
+            </a:r>
+          </a:p>
+          <a:p>
+            <a:pPr lvl="1" indent="-342900" marL="685800">
+              <a:buAutoNum type="arabicPeriod"/>
+            </a:pPr>
+            <a:r>
+              <a:rPr/>
+              <a:t>magna aliquyam erat, sed diam voluptua.</a:t>
+            </a:r>
+          </a:p>
+          <a:p>
+            <a:pPr lvl="1" indent="-342900" marL="685800">
+              <a:buAutoNum type="arabicPeriod"/>
+            </a:pPr>
+            <a:r>
+              <a:rPr/>
+              <a:t>magna aliquyam erat, sed diam voluptua.</a:t>
+            </a:r>
+          </a:p>
+          <a:p>
+            <a:pPr lvl="0" indent="0" marL="0">
+              <a:buNone/>
+            </a:pPr>
+            <a:r>
+              <a:rPr/>
+              <a:t>Nummerierte Aufzählungen funktionieren scheinbar nur mit 1., 2., …</a:t>
             </a:r>
           </a:p>
         </p:txBody>
@@ -7438,67 +7800,73 @@
             </a:pPr>
             <a:r>
               <a:rPr/>
-              <a:t>Lokale Abbildungen</a:t>
-            </a:r>
-          </a:p>
-        </p:txBody>
-      </p:sp>
-      <p:pic>
-        <p:nvPicPr>
-          <p:cNvPr descr="fig:  images/somefig.png" id="0" name="Picture 1"/>
-          <p:cNvPicPr>
-            <a:picLocks noGrp="1" noChangeAspect="1"/>
-          </p:cNvPicPr>
-          <p:nvPr/>
-        </p:nvPicPr>
-        <p:blipFill>
-          <a:blip r:embed="rId2"/>
-          <a:stretch>
-            <a:fillRect/>
-          </a:stretch>
-        </p:blipFill>
-        <p:spPr bwMode="auto">
-          <a:xfrm>
-            <a:off x="1778000" y="1600200"/>
-            <a:ext cx="5600700" cy="4013200"/>
-          </a:xfrm>
-          <a:prstGeom prst="rect">
-            <a:avLst/>
-          </a:prstGeom>
-          <a:noFill/>
-          <a:ln w="9525">
-            <a:noFill/>
-            <a:headEnd/>
-            <a:tailEnd/>
-          </a:ln>
-        </p:spPr>
-      </p:pic>
-      <p:sp>
-        <p:nvSpPr>
-          <p:cNvPr id="1" name="TextBox 3"/>
-          <p:cNvSpPr txBox="1"/>
-          <p:nvPr/>
-        </p:nvSpPr>
-        <p:spPr>
-          <a:xfrm>
-            <a:off x="457200" y="5613400"/>
-            <a:ext cx="8229600" cy="508000"/>
-          </a:xfrm>
-          <a:prstGeom prst="rect">
-            <a:avLst/>
-          </a:prstGeom>
-          <a:noFill/>
-        </p:spPr>
+              <a:t>Hervorhebungen</a:t>
+            </a:r>
+          </a:p>
+        </p:txBody>
+      </p:sp>
+      <p:sp>
+        <p:nvSpPr>
+          <p:cNvPr id="3" name="Content Placeholder 2"/>
+          <p:cNvSpPr>
+            <a:spLocks noGrp="1"/>
+          </p:cNvSpPr>
+          <p:nvPr>
+            <p:ph idx="1"/>
+          </p:nvPr>
+        </p:nvSpPr>
+        <p:spPr/>
         <p:txBody>
           <a:bodyPr/>
           <a:lstStyle/>
           <a:p>
-            <a:pPr lvl="0" indent="0" marL="0" algn="ctr">
-              <a:buNone/>
-            </a:pPr>
+            <a:pPr lvl="0"/>
             <a:r>
               <a:rPr/>
-              <a:t>Bildunterschrift</a:t>
+              <a:t>Use </a:t>
+            </a:r>
+            <a:r>
+              <a:rPr>
+                <a:latin typeface="Courier"/>
+              </a:rPr>
+              <a:t>*italic*</a:t>
+            </a:r>
+            <a:r>
+              <a:rPr/>
+              <a:t> to </a:t>
+            </a:r>
+            <a:r>
+              <a:rPr i="1"/>
+              <a:t>emphasize</a:t>
+            </a:r>
+            <a:r>
+              <a:rPr/>
+              <a:t> in Markdown</a:t>
+            </a:r>
+          </a:p>
+          <a:p>
+            <a:pPr lvl="0"/>
+            <a:r>
+              <a:rPr/>
+              <a:t>Use </a:t>
+            </a:r>
+            <a:r>
+              <a:rPr>
+                <a:latin typeface="Courier"/>
+              </a:rPr>
+              <a:t>**bold**</a:t>
+            </a:r>
+            <a:r>
+              <a:rPr/>
+              <a:t> to </a:t>
+            </a:r>
+            <a:r>
+              <a:rPr b="1"/>
+              <a:t>emphasize</a:t>
+            </a:r>
+            <a:r>
+              <a:rPr/>
+              <a:t> in Markdown</a:t>
             </a:r>
           </a:p>
         </p:txBody>
@@ -7545,67 +7913,41 @@
             </a:pPr>
             <a:r>
               <a:rPr/>
-              <a:t>Abbildungen im Web</a:t>
-            </a:r>
-          </a:p>
-        </p:txBody>
-      </p:sp>
-      <p:pic>
-        <p:nvPicPr>
-          <p:cNvPr descr="https://octodex.github.com/images/minion.png" id="0" name="Picture 1"/>
-          <p:cNvPicPr>
-            <a:picLocks noGrp="1" noChangeAspect="1"/>
-          </p:cNvPicPr>
-          <p:nvPr/>
-        </p:nvPicPr>
-        <p:blipFill>
-          <a:blip r:embed="rId2"/>
-          <a:stretch>
-            <a:fillRect/>
-          </a:stretch>
-        </p:blipFill>
-        <p:spPr bwMode="auto">
-          <a:xfrm>
-            <a:off x="2565400" y="1600200"/>
-            <a:ext cx="4013200" cy="4013200"/>
-          </a:xfrm>
-          <a:prstGeom prst="rect">
-            <a:avLst/>
-          </a:prstGeom>
-          <a:noFill/>
-          <a:ln w="9525">
-            <a:noFill/>
-            <a:headEnd/>
-            <a:tailEnd/>
-          </a:ln>
-        </p:spPr>
-      </p:pic>
-      <p:sp>
-        <p:nvSpPr>
-          <p:cNvPr id="1" name="TextBox 3"/>
-          <p:cNvSpPr txBox="1"/>
-          <p:nvPr/>
-        </p:nvSpPr>
-        <p:spPr>
-          <a:xfrm>
-            <a:off x="457200" y="5613400"/>
-            <a:ext cx="8229600" cy="508000"/>
-          </a:xfrm>
-          <a:prstGeom prst="rect">
-            <a:avLst/>
-          </a:prstGeom>
-          <a:noFill/>
-        </p:spPr>
+              <a:t>Quotes</a:t>
+            </a:r>
+          </a:p>
+        </p:txBody>
+      </p:sp>
+      <p:sp>
+        <p:nvSpPr>
+          <p:cNvPr id="3" name="Content Placeholder 2"/>
+          <p:cNvSpPr>
+            <a:spLocks noGrp="1"/>
+          </p:cNvSpPr>
+          <p:nvPr>
+            <p:ph idx="1"/>
+          </p:nvPr>
+        </p:nvSpPr>
+        <p:spPr/>
         <p:txBody>
           <a:bodyPr/>
           <a:lstStyle/>
           <a:p>
-            <a:pPr lvl="0" indent="0" marL="0" algn="ctr">
+            <a:pPr lvl="0" indent="0" marL="1270000">
               <a:buNone/>
             </a:pPr>
             <a:r>
-              <a:rPr/>
-              <a:t>Minion</a:t>
+              <a:rPr sz="2000"/>
+              <a:t>Artificial Intelligence is the study of how to make computers do things at which, at the moment, people are better.</a:t>
+            </a:r>
+          </a:p>
+          <a:p>
+            <a:pPr lvl="0" indent="0" marL="1270000">
+              <a:buNone/>
+            </a:pPr>
+            <a:r>
+              <a:rPr sz="2000"/>
+              <a:t>– Elaine Rich (“Artificial Intelligence”, McGraw-Hill, 1983)</a:t>
             </a:r>
           </a:p>
         </p:txBody>
